--- a/系統安全報告.pptx
+++ b/系統安全報告.pptx
@@ -9,11 +9,14 @@
     <p:sldId id="264" r:id="rId3"/>
     <p:sldId id="257" r:id="rId4"/>
     <p:sldId id="262" r:id="rId5"/>
-    <p:sldId id="263" r:id="rId6"/>
-    <p:sldId id="258" r:id="rId7"/>
-    <p:sldId id="259" r:id="rId8"/>
-    <p:sldId id="260" r:id="rId9"/>
-    <p:sldId id="261" r:id="rId10"/>
+    <p:sldId id="258" r:id="rId6"/>
+    <p:sldId id="259" r:id="rId7"/>
+    <p:sldId id="260" r:id="rId8"/>
+    <p:sldId id="261" r:id="rId9"/>
+    <p:sldId id="266" r:id="rId10"/>
+    <p:sldId id="267" r:id="rId11"/>
+    <p:sldId id="268" r:id="rId12"/>
+    <p:sldId id="269" r:id="rId13"/>
   </p:sldIdLst>
   <p:sldSz cx="12192000" cy="6858000"/>
   <p:notesSz cx="6858000" cy="9144000"/>
@@ -112,6 +115,11 @@
       </a:defRPr>
     </a:lvl9pPr>
   </p:defaultTextStyle>
+  <p:extLst>
+    <p:ext uri="{EFAFB233-063F-42B5-8137-9DF3F51BA10A}">
+      <p15:sldGuideLst xmlns:p15="http://schemas.microsoft.com/office/powerpoint/2012/main"/>
+    </p:ext>
+  </p:extLst>
 </p:presentation>
 </file>
 
@@ -288,7 +296,7 @@
           <a:p>
             <a:fld id="{2801E2F5-4613-49D8-A63D-6108660F3257}" type="datetimeFigureOut">
               <a:rPr lang="zh-TW" altLang="en-US" smtClean="0"/>
-              <a:t>2021/2/23</a:t>
+              <a:t>2021/3/2</a:t>
             </a:fld>
             <a:endParaRPr lang="zh-TW" altLang="en-US"/>
           </a:p>
@@ -486,7 +494,7 @@
           <a:p>
             <a:fld id="{2801E2F5-4613-49D8-A63D-6108660F3257}" type="datetimeFigureOut">
               <a:rPr lang="zh-TW" altLang="en-US" smtClean="0"/>
-              <a:t>2021/2/23</a:t>
+              <a:t>2021/3/2</a:t>
             </a:fld>
             <a:endParaRPr lang="zh-TW" altLang="en-US"/>
           </a:p>
@@ -694,7 +702,7 @@
           <a:p>
             <a:fld id="{2801E2F5-4613-49D8-A63D-6108660F3257}" type="datetimeFigureOut">
               <a:rPr lang="zh-TW" altLang="en-US" smtClean="0"/>
-              <a:t>2021/2/23</a:t>
+              <a:t>2021/3/2</a:t>
             </a:fld>
             <a:endParaRPr lang="zh-TW" altLang="en-US"/>
           </a:p>
@@ -892,7 +900,7 @@
           <a:p>
             <a:fld id="{2801E2F5-4613-49D8-A63D-6108660F3257}" type="datetimeFigureOut">
               <a:rPr lang="zh-TW" altLang="en-US" smtClean="0"/>
-              <a:t>2021/2/23</a:t>
+              <a:t>2021/3/2</a:t>
             </a:fld>
             <a:endParaRPr lang="zh-TW" altLang="en-US"/>
           </a:p>
@@ -1167,7 +1175,7 @@
           <a:p>
             <a:fld id="{2801E2F5-4613-49D8-A63D-6108660F3257}" type="datetimeFigureOut">
               <a:rPr lang="zh-TW" altLang="en-US" smtClean="0"/>
-              <a:t>2021/2/23</a:t>
+              <a:t>2021/3/2</a:t>
             </a:fld>
             <a:endParaRPr lang="zh-TW" altLang="en-US"/>
           </a:p>
@@ -1432,7 +1440,7 @@
           <a:p>
             <a:fld id="{2801E2F5-4613-49D8-A63D-6108660F3257}" type="datetimeFigureOut">
               <a:rPr lang="zh-TW" altLang="en-US" smtClean="0"/>
-              <a:t>2021/2/23</a:t>
+              <a:t>2021/3/2</a:t>
             </a:fld>
             <a:endParaRPr lang="zh-TW" altLang="en-US"/>
           </a:p>
@@ -1844,7 +1852,7 @@
           <a:p>
             <a:fld id="{2801E2F5-4613-49D8-A63D-6108660F3257}" type="datetimeFigureOut">
               <a:rPr lang="zh-TW" altLang="en-US" smtClean="0"/>
-              <a:t>2021/2/23</a:t>
+              <a:t>2021/3/2</a:t>
             </a:fld>
             <a:endParaRPr lang="zh-TW" altLang="en-US"/>
           </a:p>
@@ -1985,7 +1993,7 @@
           <a:p>
             <a:fld id="{2801E2F5-4613-49D8-A63D-6108660F3257}" type="datetimeFigureOut">
               <a:rPr lang="zh-TW" altLang="en-US" smtClean="0"/>
-              <a:t>2021/2/23</a:t>
+              <a:t>2021/3/2</a:t>
             </a:fld>
             <a:endParaRPr lang="zh-TW" altLang="en-US"/>
           </a:p>
@@ -2098,7 +2106,7 @@
           <a:p>
             <a:fld id="{2801E2F5-4613-49D8-A63D-6108660F3257}" type="datetimeFigureOut">
               <a:rPr lang="zh-TW" altLang="en-US" smtClean="0"/>
-              <a:t>2021/2/23</a:t>
+              <a:t>2021/3/2</a:t>
             </a:fld>
             <a:endParaRPr lang="zh-TW" altLang="en-US"/>
           </a:p>
@@ -2409,7 +2417,7 @@
           <a:p>
             <a:fld id="{2801E2F5-4613-49D8-A63D-6108660F3257}" type="datetimeFigureOut">
               <a:rPr lang="zh-TW" altLang="en-US" smtClean="0"/>
-              <a:t>2021/2/23</a:t>
+              <a:t>2021/3/2</a:t>
             </a:fld>
             <a:endParaRPr lang="zh-TW" altLang="en-US"/>
           </a:p>
@@ -2697,7 +2705,7 @@
           <a:p>
             <a:fld id="{2801E2F5-4613-49D8-A63D-6108660F3257}" type="datetimeFigureOut">
               <a:rPr lang="zh-TW" altLang="en-US" smtClean="0"/>
-              <a:t>2021/2/23</a:t>
+              <a:t>2021/3/2</a:t>
             </a:fld>
             <a:endParaRPr lang="zh-TW" altLang="en-US"/>
           </a:p>
@@ -2938,7 +2946,7 @@
           <a:p>
             <a:fld id="{2801E2F5-4613-49D8-A63D-6108660F3257}" type="datetimeFigureOut">
               <a:rPr lang="zh-TW" altLang="en-US" smtClean="0"/>
-              <a:t>2021/2/23</a:t>
+              <a:t>2021/3/2</a:t>
             </a:fld>
             <a:endParaRPr lang="zh-TW" altLang="en-US"/>
           </a:p>
@@ -3530,6 +3538,1495 @@
 </p:sld>
 </file>
 
+<file path=ppt/slides/slide10.xml><?xml version="1.0" encoding="utf-8"?>
+<p:sld xmlns:a="http://schemas.openxmlformats.org/drawingml/2006/main" xmlns:r="http://schemas.openxmlformats.org/officeDocument/2006/relationships" xmlns:p="http://schemas.openxmlformats.org/presentationml/2006/main">
+  <p:cSld>
+    <p:bg>
+      <p:bgPr>
+        <a:solidFill>
+          <a:schemeClr val="bg1"/>
+        </a:solidFill>
+        <a:effectLst/>
+      </p:bgPr>
+    </p:bg>
+    <p:spTree>
+      <p:nvGrpSpPr>
+        <p:cNvPr id="1" name=""/>
+        <p:cNvGrpSpPr/>
+        <p:nvPr/>
+      </p:nvGrpSpPr>
+      <p:grpSpPr>
+        <a:xfrm>
+          <a:off x="0" y="0"/>
+          <a:ext cx="0" cy="0"/>
+          <a:chOff x="0" y="0"/>
+          <a:chExt cx="0" cy="0"/>
+        </a:xfrm>
+      </p:grpSpPr>
+      <p:sp useBgFill="1">
+        <p:nvSpPr>
+          <p:cNvPr id="33" name="Rectangle 32">
+            <a:extLst>
+              <a:ext uri="{FF2B5EF4-FFF2-40B4-BE49-F238E27FC236}">
+                <a16:creationId xmlns:a16="http://schemas.microsoft.com/office/drawing/2014/main" id="{1ECAB1E8-8195-4748-BE71-FF806D86892E}"/>
+              </a:ext>
+              <a:ext uri="{C183D7F6-B498-43B3-948B-1728B52AA6E4}">
+                <adec:decorative xmlns:adec="http://schemas.microsoft.com/office/drawing/2017/decorative" val="1"/>
+              </a:ext>
+            </a:extLst>
+          </p:cNvPr>
+          <p:cNvSpPr>
+            <a:spLocks noGrp="1" noRot="1" noChangeAspect="1" noMove="1" noResize="1" noEditPoints="1" noAdjustHandles="1" noChangeArrowheads="1" noChangeShapeType="1" noTextEdit="1"/>
+          </p:cNvSpPr>
+          <p:nvPr>
+            <p:extLst>
+              <p:ext uri="{386F3935-93C4-4BCD-93E2-E3B085C9AB24}">
+                <p16:designElem xmlns:p16="http://schemas.microsoft.com/office/powerpoint/2015/main" val="1"/>
+              </p:ext>
+            </p:extLst>
+          </p:nvPr>
+        </p:nvSpPr>
+        <p:spPr>
+          <a:xfrm>
+            <a:off x="0" y="0"/>
+            <a:ext cx="12192000" cy="6858000"/>
+          </a:xfrm>
+          <a:prstGeom prst="rect">
+            <a:avLst/>
+          </a:prstGeom>
+          <a:ln>
+            <a:noFill/>
+          </a:ln>
+        </p:spPr>
+        <p:style>
+          <a:lnRef idx="2">
+            <a:schemeClr val="accent1">
+              <a:shade val="50000"/>
+            </a:schemeClr>
+          </a:lnRef>
+          <a:fillRef idx="1">
+            <a:schemeClr val="accent1"/>
+          </a:fillRef>
+          <a:effectRef idx="0">
+            <a:schemeClr val="accent1"/>
+          </a:effectRef>
+          <a:fontRef idx="minor">
+            <a:schemeClr val="lt1"/>
+          </a:fontRef>
+        </p:style>
+        <p:txBody>
+          <a:bodyPr rtlCol="0" anchor="ctr"/>
+          <a:lstStyle/>
+          <a:p>
+            <a:pPr algn="ctr"/>
+            <a:endParaRPr lang="en-US"/>
+          </a:p>
+        </p:txBody>
+      </p:sp>
+      <p:sp useBgFill="1">
+        <p:nvSpPr>
+          <p:cNvPr id="35" name="Rectangle 34">
+            <a:extLst>
+              <a:ext uri="{FF2B5EF4-FFF2-40B4-BE49-F238E27FC236}">
+                <a16:creationId xmlns:a16="http://schemas.microsoft.com/office/drawing/2014/main" id="{57F6BDD4-E066-4008-8011-6CC31AEB4556}"/>
+              </a:ext>
+              <a:ext uri="{C183D7F6-B498-43B3-948B-1728B52AA6E4}">
+                <adec:decorative xmlns:adec="http://schemas.microsoft.com/office/drawing/2017/decorative" val="1"/>
+              </a:ext>
+            </a:extLst>
+          </p:cNvPr>
+          <p:cNvSpPr>
+            <a:spLocks noGrp="1" noRot="1" noChangeAspect="1" noMove="1" noResize="1" noEditPoints="1" noAdjustHandles="1" noChangeArrowheads="1" noChangeShapeType="1" noTextEdit="1"/>
+          </p:cNvSpPr>
+          <p:nvPr>
+            <p:extLst>
+              <p:ext uri="{386F3935-93C4-4BCD-93E2-E3B085C9AB24}">
+                <p16:designElem xmlns:p16="http://schemas.microsoft.com/office/powerpoint/2015/main" val="1"/>
+              </p:ext>
+            </p:extLst>
+          </p:nvPr>
+        </p:nvSpPr>
+        <p:spPr>
+          <a:xfrm>
+            <a:off x="409575" y="633619"/>
+            <a:ext cx="4279383" cy="5495925"/>
+          </a:xfrm>
+          <a:prstGeom prst="rect">
+            <a:avLst/>
+          </a:prstGeom>
+          <a:ln w="9525">
+            <a:solidFill>
+              <a:srgbClr val="E1E1E1"/>
+            </a:solidFill>
+          </a:ln>
+          <a:effectLst>
+            <a:outerShdw blurRad="50800" dist="38100" dir="2700000" algn="tl" rotWithShape="0">
+              <a:schemeClr val="bg1">
+                <a:lumMod val="85000"/>
+                <a:alpha val="50000"/>
+              </a:schemeClr>
+            </a:outerShdw>
+          </a:effectLst>
+        </p:spPr>
+        <p:style>
+          <a:lnRef idx="2">
+            <a:schemeClr val="accent1">
+              <a:shade val="50000"/>
+            </a:schemeClr>
+          </a:lnRef>
+          <a:fillRef idx="1">
+            <a:schemeClr val="accent1"/>
+          </a:fillRef>
+          <a:effectRef idx="0">
+            <a:schemeClr val="accent1"/>
+          </a:effectRef>
+          <a:fontRef idx="minor">
+            <a:schemeClr val="lt1"/>
+          </a:fontRef>
+        </p:style>
+        <p:txBody>
+          <a:bodyPr rtlCol="0" anchor="ctr"/>
+          <a:lstStyle/>
+          <a:p>
+            <a:pPr marL="0" marR="0" lvl="0" indent="0" algn="ctr" defTabSz="914400" rtl="0" eaLnBrk="1" fontAlgn="auto" latinLnBrk="0" hangingPunct="1">
+              <a:lnSpc>
+                <a:spcPct val="100000"/>
+              </a:lnSpc>
+              <a:spcBef>
+                <a:spcPts val="0"/>
+              </a:spcBef>
+              <a:spcAft>
+                <a:spcPts val="0"/>
+              </a:spcAft>
+              <a:buClrTx/>
+              <a:buSzTx/>
+              <a:buFontTx/>
+              <a:buNone/>
+              <a:tabLst/>
+              <a:defRPr/>
+            </a:pPr>
+            <a:endParaRPr kumimoji="0" lang="en-US" sz="1800" b="0" i="0" u="none" strike="noStrike" kern="1200" cap="none" spc="0" normalizeH="0" baseline="0" noProof="0">
+              <a:ln>
+                <a:noFill/>
+              </a:ln>
+              <a:solidFill>
+                <a:prstClr val="white"/>
+              </a:solidFill>
+              <a:effectLst/>
+              <a:uLnTx/>
+              <a:uFillTx/>
+              <a:latin typeface="Calibri" panose="020F0502020204030204"/>
+              <a:ea typeface="+mn-ea"/>
+              <a:cs typeface="+mn-cs"/>
+            </a:endParaRPr>
+          </a:p>
+        </p:txBody>
+      </p:sp>
+      <p:sp>
+        <p:nvSpPr>
+          <p:cNvPr id="2" name="標題 1">
+            <a:extLst>
+              <a:ext uri="{FF2B5EF4-FFF2-40B4-BE49-F238E27FC236}">
+                <a16:creationId xmlns:a16="http://schemas.microsoft.com/office/drawing/2014/main" id="{7B921208-7B26-46F1-8231-3E7D813F2DF5}"/>
+              </a:ext>
+            </a:extLst>
+          </p:cNvPr>
+          <p:cNvSpPr>
+            <a:spLocks noGrp="1"/>
+          </p:cNvSpPr>
+          <p:nvPr>
+            <p:ph type="title"/>
+          </p:nvPr>
+        </p:nvSpPr>
+        <p:spPr>
+          <a:xfrm>
+            <a:off x="841247" y="978619"/>
+            <a:ext cx="3410712" cy="1106424"/>
+          </a:xfrm>
+        </p:spPr>
+        <p:txBody>
+          <a:bodyPr vert="horz" lIns="91440" tIns="45720" rIns="91440" bIns="45720" rtlCol="0" anchor="ctr">
+            <a:normAutofit/>
+          </a:bodyPr>
+          <a:lstStyle/>
+          <a:p>
+            <a:r>
+              <a:rPr lang="en-US" altLang="zh-TW" sz="2800" dirty="0" err="1"/>
+              <a:t>Powershell</a:t>
+            </a:r>
+            <a:r>
+              <a:rPr lang="zh-TW" altLang="en-US" sz="2800" dirty="0"/>
+              <a:t> </a:t>
+            </a:r>
+            <a:r>
+              <a:rPr lang="en-US" altLang="zh-TW" sz="2800" dirty="0"/>
+              <a:t>ISE</a:t>
+            </a:r>
+            <a:br>
+              <a:rPr lang="en-US" altLang="zh-TW" sz="2800" dirty="0"/>
+            </a:br>
+            <a:endParaRPr lang="en-US" altLang="zh-TW" sz="2800" dirty="0">
+              <a:solidFill>
+                <a:srgbClr val="FF0000"/>
+              </a:solidFill>
+            </a:endParaRPr>
+          </a:p>
+        </p:txBody>
+      </p:sp>
+      <p:sp>
+        <p:nvSpPr>
+          <p:cNvPr id="37" name="Rectangle 36">
+            <a:extLst>
+              <a:ext uri="{FF2B5EF4-FFF2-40B4-BE49-F238E27FC236}">
+                <a16:creationId xmlns:a16="http://schemas.microsoft.com/office/drawing/2014/main" id="{2711A8FB-68FC-45FC-B01E-38F809E2D439}"/>
+              </a:ext>
+              <a:ext uri="{C183D7F6-B498-43B3-948B-1728B52AA6E4}">
+                <adec:decorative xmlns:adec="http://schemas.microsoft.com/office/drawing/2017/decorative" val="1"/>
+              </a:ext>
+            </a:extLst>
+          </p:cNvPr>
+          <p:cNvSpPr>
+            <a:spLocks noGrp="1" noRot="1" noChangeAspect="1" noMove="1" noResize="1" noEditPoints="1" noAdjustHandles="1" noChangeArrowheads="1" noChangeShapeType="1" noTextEdit="1"/>
+          </p:cNvSpPr>
+          <p:nvPr>
+            <p:extLst>
+              <p:ext uri="{386F3935-93C4-4BCD-93E2-E3B085C9AB24}">
+                <p16:designElem xmlns:p16="http://schemas.microsoft.com/office/powerpoint/2015/main" val="1"/>
+              </p:ext>
+            </p:extLst>
+          </p:nvPr>
+        </p:nvSpPr>
+        <p:spPr>
+          <a:xfrm>
+            <a:off x="345567" y="1170432"/>
+            <a:ext cx="128016" cy="704088"/>
+          </a:xfrm>
+          <a:prstGeom prst="rect">
+            <a:avLst/>
+          </a:prstGeom>
+          <a:solidFill>
+            <a:schemeClr val="accent2"/>
+          </a:solidFill>
+          <a:ln>
+            <a:noFill/>
+          </a:ln>
+        </p:spPr>
+        <p:style>
+          <a:lnRef idx="2">
+            <a:schemeClr val="accent1">
+              <a:shade val="50000"/>
+            </a:schemeClr>
+          </a:lnRef>
+          <a:fillRef idx="1">
+            <a:schemeClr val="accent1"/>
+          </a:fillRef>
+          <a:effectRef idx="0">
+            <a:schemeClr val="accent1"/>
+          </a:effectRef>
+          <a:fontRef idx="minor">
+            <a:schemeClr val="lt1"/>
+          </a:fontRef>
+        </p:style>
+        <p:txBody>
+          <a:bodyPr rtlCol="0" anchor="ctr"/>
+          <a:lstStyle/>
+          <a:p>
+            <a:pPr algn="ctr"/>
+            <a:endParaRPr lang="en-US">
+              <a:solidFill>
+                <a:prstClr val="white"/>
+              </a:solidFill>
+              <a:latin typeface="Calibri" panose="020F0502020204030204"/>
+            </a:endParaRPr>
+          </a:p>
+        </p:txBody>
+      </p:sp>
+      <p:sp>
+        <p:nvSpPr>
+          <p:cNvPr id="39" name="Rectangle 38">
+            <a:extLst>
+              <a:ext uri="{FF2B5EF4-FFF2-40B4-BE49-F238E27FC236}">
+                <a16:creationId xmlns:a16="http://schemas.microsoft.com/office/drawing/2014/main" id="{2A865FE3-5FC9-4049-87CF-30019C46C0F5}"/>
+              </a:ext>
+              <a:ext uri="{C183D7F6-B498-43B3-948B-1728B52AA6E4}">
+                <adec:decorative xmlns:adec="http://schemas.microsoft.com/office/drawing/2017/decorative" val="1"/>
+              </a:ext>
+            </a:extLst>
+          </p:cNvPr>
+          <p:cNvSpPr>
+            <a:spLocks noGrp="1" noRot="1" noChangeAspect="1" noMove="1" noResize="1" noEditPoints="1" noAdjustHandles="1" noChangeArrowheads="1" noChangeShapeType="1" noTextEdit="1"/>
+          </p:cNvSpPr>
+          <p:nvPr>
+            <p:extLst>
+              <p:ext uri="{386F3935-93C4-4BCD-93E2-E3B085C9AB24}">
+                <p16:designElem xmlns:p16="http://schemas.microsoft.com/office/powerpoint/2015/main" val="1"/>
+              </p:ext>
+            </p:extLst>
+          </p:nvPr>
+        </p:nvSpPr>
+        <p:spPr>
+          <a:xfrm>
+            <a:off x="877459" y="2121408"/>
+            <a:ext cx="3328416" cy="9144"/>
+          </a:xfrm>
+          <a:prstGeom prst="rect">
+            <a:avLst/>
+          </a:prstGeom>
+          <a:solidFill>
+            <a:srgbClr val="D5D5D5"/>
+          </a:solidFill>
+          <a:ln w="3175">
+            <a:noFill/>
+          </a:ln>
+          <a:effectLst/>
+        </p:spPr>
+        <p:style>
+          <a:lnRef idx="2">
+            <a:schemeClr val="accent1">
+              <a:shade val="50000"/>
+            </a:schemeClr>
+          </a:lnRef>
+          <a:fillRef idx="1">
+            <a:schemeClr val="accent1"/>
+          </a:fillRef>
+          <a:effectRef idx="0">
+            <a:schemeClr val="accent1"/>
+          </a:effectRef>
+          <a:fontRef idx="minor">
+            <a:schemeClr val="lt1"/>
+          </a:fontRef>
+        </p:style>
+        <p:txBody>
+          <a:bodyPr rtlCol="0" anchor="ctr"/>
+          <a:lstStyle/>
+          <a:p>
+            <a:pPr marL="0" marR="0" lvl="0" indent="0" algn="ctr" defTabSz="914400" rtl="0" eaLnBrk="1" fontAlgn="auto" latinLnBrk="0" hangingPunct="1">
+              <a:lnSpc>
+                <a:spcPct val="100000"/>
+              </a:lnSpc>
+              <a:spcBef>
+                <a:spcPts val="0"/>
+              </a:spcBef>
+              <a:spcAft>
+                <a:spcPts val="0"/>
+              </a:spcAft>
+              <a:buClrTx/>
+              <a:buSzTx/>
+              <a:buFontTx/>
+              <a:buNone/>
+              <a:tabLst/>
+              <a:defRPr/>
+            </a:pPr>
+            <a:endParaRPr kumimoji="0" lang="en-US" sz="1800" b="0" i="0" u="none" strike="noStrike" kern="1200" cap="none" spc="0" normalizeH="0" baseline="0" noProof="0">
+              <a:ln>
+                <a:noFill/>
+              </a:ln>
+              <a:solidFill>
+                <a:prstClr val="white"/>
+              </a:solidFill>
+              <a:effectLst/>
+              <a:uLnTx/>
+              <a:uFillTx/>
+              <a:latin typeface="Calibri" panose="020F0502020204030204"/>
+              <a:ea typeface="+mn-ea"/>
+              <a:cs typeface="+mn-cs"/>
+            </a:endParaRPr>
+          </a:p>
+        </p:txBody>
+      </p:sp>
+      <p:sp>
+        <p:nvSpPr>
+          <p:cNvPr id="4" name="文字版面配置區 3">
+            <a:extLst>
+              <a:ext uri="{FF2B5EF4-FFF2-40B4-BE49-F238E27FC236}">
+                <a16:creationId xmlns:a16="http://schemas.microsoft.com/office/drawing/2014/main" id="{31985925-ECBB-4C70-8682-1B2CFD0AE3DE}"/>
+              </a:ext>
+            </a:extLst>
+          </p:cNvPr>
+          <p:cNvSpPr>
+            <a:spLocks noGrp="1"/>
+          </p:cNvSpPr>
+          <p:nvPr>
+            <p:ph type="body" sz="half" idx="2"/>
+          </p:nvPr>
+        </p:nvSpPr>
+        <p:spPr>
+          <a:xfrm>
+            <a:off x="841247" y="2359152"/>
+            <a:ext cx="3410712" cy="3425043"/>
+          </a:xfrm>
+        </p:spPr>
+        <p:txBody>
+          <a:bodyPr vert="horz" lIns="91440" tIns="45720" rIns="91440" bIns="45720" rtlCol="0">
+            <a:normAutofit/>
+          </a:bodyPr>
+          <a:lstStyle/>
+          <a:p>
+            <a:pPr indent="-228600">
+              <a:buFont typeface="Arial" panose="020B0604020202020204" pitchFamily="34" charset="0"/>
+              <a:buChar char="•"/>
+            </a:pPr>
+            <a:r>
+              <a:rPr lang="zh-TW" altLang="en-US" sz="1700" dirty="0"/>
+              <a:t>以系統管理員身分執行</a:t>
+            </a:r>
+            <a:r>
+              <a:rPr lang="en-US" altLang="zh-TW" sz="1700" dirty="0"/>
+              <a:t>(</a:t>
+            </a:r>
+            <a:r>
+              <a:rPr lang="zh-TW" altLang="en-US" sz="1700" dirty="0"/>
+              <a:t>如未使用系統管理員會有權限問題</a:t>
+            </a:r>
+            <a:endParaRPr lang="en-US" altLang="zh-TW" sz="1700" dirty="0"/>
+          </a:p>
+        </p:txBody>
+      </p:sp>
+      <p:pic>
+        <p:nvPicPr>
+          <p:cNvPr id="5" name="圖片 4">
+            <a:extLst>
+              <a:ext uri="{FF2B5EF4-FFF2-40B4-BE49-F238E27FC236}">
+                <a16:creationId xmlns:a16="http://schemas.microsoft.com/office/drawing/2014/main" id="{D12A38F0-ED6A-40C6-A4D0-734919C01BE1}"/>
+              </a:ext>
+            </a:extLst>
+          </p:cNvPr>
+          <p:cNvPicPr>
+            <a:picLocks noChangeAspect="1"/>
+          </p:cNvPicPr>
+          <p:nvPr/>
+        </p:nvPicPr>
+        <p:blipFill>
+          <a:blip r:embed="rId2"/>
+          <a:stretch>
+            <a:fillRect/>
+          </a:stretch>
+        </p:blipFill>
+        <p:spPr>
+          <a:xfrm>
+            <a:off x="4900184" y="745224"/>
+            <a:ext cx="6144482" cy="466790"/>
+          </a:xfrm>
+          <a:prstGeom prst="rect">
+            <a:avLst/>
+          </a:prstGeom>
+        </p:spPr>
+      </p:pic>
+    </p:spTree>
+    <p:extLst>
+      <p:ext uri="{BB962C8B-B14F-4D97-AF65-F5344CB8AC3E}">
+        <p14:creationId xmlns:p14="http://schemas.microsoft.com/office/powerpoint/2010/main" val="3229465246"/>
+      </p:ext>
+    </p:extLst>
+  </p:cSld>
+  <p:clrMapOvr>
+    <a:masterClrMapping/>
+  </p:clrMapOvr>
+</p:sld>
+</file>
+
+<file path=ppt/slides/slide11.xml><?xml version="1.0" encoding="utf-8"?>
+<p:sld xmlns:a="http://schemas.openxmlformats.org/drawingml/2006/main" xmlns:r="http://schemas.openxmlformats.org/officeDocument/2006/relationships" xmlns:p="http://schemas.openxmlformats.org/presentationml/2006/main">
+  <p:cSld>
+    <p:bg>
+      <p:bgPr>
+        <a:solidFill>
+          <a:schemeClr val="bg1"/>
+        </a:solidFill>
+        <a:effectLst/>
+      </p:bgPr>
+    </p:bg>
+    <p:spTree>
+      <p:nvGrpSpPr>
+        <p:cNvPr id="1" name=""/>
+        <p:cNvGrpSpPr/>
+        <p:nvPr/>
+      </p:nvGrpSpPr>
+      <p:grpSpPr>
+        <a:xfrm>
+          <a:off x="0" y="0"/>
+          <a:ext cx="0" cy="0"/>
+          <a:chOff x="0" y="0"/>
+          <a:chExt cx="0" cy="0"/>
+        </a:xfrm>
+      </p:grpSpPr>
+      <p:sp useBgFill="1">
+        <p:nvSpPr>
+          <p:cNvPr id="33" name="Rectangle 32">
+            <a:extLst>
+              <a:ext uri="{FF2B5EF4-FFF2-40B4-BE49-F238E27FC236}">
+                <a16:creationId xmlns:a16="http://schemas.microsoft.com/office/drawing/2014/main" id="{1ECAB1E8-8195-4748-BE71-FF806D86892E}"/>
+              </a:ext>
+              <a:ext uri="{C183D7F6-B498-43B3-948B-1728B52AA6E4}">
+                <adec:decorative xmlns:adec="http://schemas.microsoft.com/office/drawing/2017/decorative" val="1"/>
+              </a:ext>
+            </a:extLst>
+          </p:cNvPr>
+          <p:cNvSpPr>
+            <a:spLocks noGrp="1" noRot="1" noChangeAspect="1" noMove="1" noResize="1" noEditPoints="1" noAdjustHandles="1" noChangeArrowheads="1" noChangeShapeType="1" noTextEdit="1"/>
+          </p:cNvSpPr>
+          <p:nvPr>
+            <p:extLst>
+              <p:ext uri="{386F3935-93C4-4BCD-93E2-E3B085C9AB24}">
+                <p16:designElem xmlns:p16="http://schemas.microsoft.com/office/powerpoint/2015/main" val="1"/>
+              </p:ext>
+            </p:extLst>
+          </p:nvPr>
+        </p:nvSpPr>
+        <p:spPr>
+          <a:xfrm>
+            <a:off x="0" y="0"/>
+            <a:ext cx="12192000" cy="6858000"/>
+          </a:xfrm>
+          <a:prstGeom prst="rect">
+            <a:avLst/>
+          </a:prstGeom>
+          <a:ln>
+            <a:noFill/>
+          </a:ln>
+        </p:spPr>
+        <p:style>
+          <a:lnRef idx="2">
+            <a:schemeClr val="accent1">
+              <a:shade val="50000"/>
+            </a:schemeClr>
+          </a:lnRef>
+          <a:fillRef idx="1">
+            <a:schemeClr val="accent1"/>
+          </a:fillRef>
+          <a:effectRef idx="0">
+            <a:schemeClr val="accent1"/>
+          </a:effectRef>
+          <a:fontRef idx="minor">
+            <a:schemeClr val="lt1"/>
+          </a:fontRef>
+        </p:style>
+        <p:txBody>
+          <a:bodyPr rtlCol="0" anchor="ctr"/>
+          <a:lstStyle/>
+          <a:p>
+            <a:pPr algn="ctr"/>
+            <a:endParaRPr lang="en-US"/>
+          </a:p>
+        </p:txBody>
+      </p:sp>
+      <p:sp useBgFill="1">
+        <p:nvSpPr>
+          <p:cNvPr id="35" name="Rectangle 34">
+            <a:extLst>
+              <a:ext uri="{FF2B5EF4-FFF2-40B4-BE49-F238E27FC236}">
+                <a16:creationId xmlns:a16="http://schemas.microsoft.com/office/drawing/2014/main" id="{57F6BDD4-E066-4008-8011-6CC31AEB4556}"/>
+              </a:ext>
+              <a:ext uri="{C183D7F6-B498-43B3-948B-1728B52AA6E4}">
+                <adec:decorative xmlns:adec="http://schemas.microsoft.com/office/drawing/2017/decorative" val="1"/>
+              </a:ext>
+            </a:extLst>
+          </p:cNvPr>
+          <p:cNvSpPr>
+            <a:spLocks noGrp="1" noRot="1" noChangeAspect="1" noMove="1" noResize="1" noEditPoints="1" noAdjustHandles="1" noChangeArrowheads="1" noChangeShapeType="1" noTextEdit="1"/>
+          </p:cNvSpPr>
+          <p:nvPr>
+            <p:extLst>
+              <p:ext uri="{386F3935-93C4-4BCD-93E2-E3B085C9AB24}">
+                <p16:designElem xmlns:p16="http://schemas.microsoft.com/office/powerpoint/2015/main" val="1"/>
+              </p:ext>
+            </p:extLst>
+          </p:nvPr>
+        </p:nvSpPr>
+        <p:spPr>
+          <a:xfrm>
+            <a:off x="409575" y="633619"/>
+            <a:ext cx="4279383" cy="5495925"/>
+          </a:xfrm>
+          <a:prstGeom prst="rect">
+            <a:avLst/>
+          </a:prstGeom>
+          <a:ln w="9525">
+            <a:solidFill>
+              <a:srgbClr val="E1E1E1"/>
+            </a:solidFill>
+          </a:ln>
+          <a:effectLst>
+            <a:outerShdw blurRad="50800" dist="38100" dir="2700000" algn="tl" rotWithShape="0">
+              <a:schemeClr val="bg1">
+                <a:lumMod val="85000"/>
+                <a:alpha val="50000"/>
+              </a:schemeClr>
+            </a:outerShdw>
+          </a:effectLst>
+        </p:spPr>
+        <p:style>
+          <a:lnRef idx="2">
+            <a:schemeClr val="accent1">
+              <a:shade val="50000"/>
+            </a:schemeClr>
+          </a:lnRef>
+          <a:fillRef idx="1">
+            <a:schemeClr val="accent1"/>
+          </a:fillRef>
+          <a:effectRef idx="0">
+            <a:schemeClr val="accent1"/>
+          </a:effectRef>
+          <a:fontRef idx="minor">
+            <a:schemeClr val="lt1"/>
+          </a:fontRef>
+        </p:style>
+        <p:txBody>
+          <a:bodyPr rtlCol="0" anchor="ctr"/>
+          <a:lstStyle/>
+          <a:p>
+            <a:pPr marL="0" marR="0" lvl="0" indent="0" algn="ctr" defTabSz="914400" rtl="0" eaLnBrk="1" fontAlgn="auto" latinLnBrk="0" hangingPunct="1">
+              <a:lnSpc>
+                <a:spcPct val="100000"/>
+              </a:lnSpc>
+              <a:spcBef>
+                <a:spcPts val="0"/>
+              </a:spcBef>
+              <a:spcAft>
+                <a:spcPts val="0"/>
+              </a:spcAft>
+              <a:buClrTx/>
+              <a:buSzTx/>
+              <a:buFontTx/>
+              <a:buNone/>
+              <a:tabLst/>
+              <a:defRPr/>
+            </a:pPr>
+            <a:endParaRPr kumimoji="0" lang="en-US" sz="1800" b="0" i="0" u="none" strike="noStrike" kern="1200" cap="none" spc="0" normalizeH="0" baseline="0" noProof="0">
+              <a:ln>
+                <a:noFill/>
+              </a:ln>
+              <a:solidFill>
+                <a:prstClr val="white"/>
+              </a:solidFill>
+              <a:effectLst/>
+              <a:uLnTx/>
+              <a:uFillTx/>
+              <a:latin typeface="Calibri" panose="020F0502020204030204"/>
+              <a:ea typeface="+mn-ea"/>
+              <a:cs typeface="+mn-cs"/>
+            </a:endParaRPr>
+          </a:p>
+        </p:txBody>
+      </p:sp>
+      <p:sp>
+        <p:nvSpPr>
+          <p:cNvPr id="2" name="標題 1">
+            <a:extLst>
+              <a:ext uri="{FF2B5EF4-FFF2-40B4-BE49-F238E27FC236}">
+                <a16:creationId xmlns:a16="http://schemas.microsoft.com/office/drawing/2014/main" id="{7B921208-7B26-46F1-8231-3E7D813F2DF5}"/>
+              </a:ext>
+            </a:extLst>
+          </p:cNvPr>
+          <p:cNvSpPr>
+            <a:spLocks noGrp="1"/>
+          </p:cNvSpPr>
+          <p:nvPr>
+            <p:ph type="title"/>
+          </p:nvPr>
+        </p:nvSpPr>
+        <p:spPr>
+          <a:xfrm>
+            <a:off x="841247" y="978619"/>
+            <a:ext cx="3410712" cy="1106424"/>
+          </a:xfrm>
+        </p:spPr>
+        <p:txBody>
+          <a:bodyPr vert="horz" lIns="91440" tIns="45720" rIns="91440" bIns="45720" rtlCol="0" anchor="ctr">
+            <a:normAutofit fontScale="90000"/>
+          </a:bodyPr>
+          <a:lstStyle/>
+          <a:p>
+            <a:r>
+              <a:rPr lang="en-US" altLang="zh-TW" sz="2800" dirty="0" err="1"/>
+              <a:t>Powershell</a:t>
+            </a:r>
+            <a:r>
+              <a:rPr lang="zh-TW" altLang="en-US" sz="2800" dirty="0"/>
+              <a:t> </a:t>
+            </a:r>
+            <a:r>
+              <a:rPr lang="en-US" altLang="zh-TW" sz="2800" dirty="0"/>
+              <a:t>ISE</a:t>
+            </a:r>
+            <a:br>
+              <a:rPr lang="en-US" altLang="zh-TW" sz="2800" dirty="0"/>
+            </a:br>
+            <a:r>
+              <a:rPr lang="zh-TW" altLang="en-US" sz="2800" dirty="0"/>
+              <a:t>執行策略</a:t>
+            </a:r>
+            <a:br>
+              <a:rPr lang="en-US" altLang="zh-TW" sz="2800" dirty="0"/>
+            </a:br>
+            <a:endParaRPr lang="en-US" altLang="zh-TW" sz="2800" dirty="0">
+              <a:solidFill>
+                <a:srgbClr val="FF0000"/>
+              </a:solidFill>
+            </a:endParaRPr>
+          </a:p>
+        </p:txBody>
+      </p:sp>
+      <p:sp>
+        <p:nvSpPr>
+          <p:cNvPr id="37" name="Rectangle 36">
+            <a:extLst>
+              <a:ext uri="{FF2B5EF4-FFF2-40B4-BE49-F238E27FC236}">
+                <a16:creationId xmlns:a16="http://schemas.microsoft.com/office/drawing/2014/main" id="{2711A8FB-68FC-45FC-B01E-38F809E2D439}"/>
+              </a:ext>
+              <a:ext uri="{C183D7F6-B498-43B3-948B-1728B52AA6E4}">
+                <adec:decorative xmlns:adec="http://schemas.microsoft.com/office/drawing/2017/decorative" val="1"/>
+              </a:ext>
+            </a:extLst>
+          </p:cNvPr>
+          <p:cNvSpPr>
+            <a:spLocks noGrp="1" noRot="1" noChangeAspect="1" noMove="1" noResize="1" noEditPoints="1" noAdjustHandles="1" noChangeArrowheads="1" noChangeShapeType="1" noTextEdit="1"/>
+          </p:cNvSpPr>
+          <p:nvPr>
+            <p:extLst>
+              <p:ext uri="{386F3935-93C4-4BCD-93E2-E3B085C9AB24}">
+                <p16:designElem xmlns:p16="http://schemas.microsoft.com/office/powerpoint/2015/main" val="1"/>
+              </p:ext>
+            </p:extLst>
+          </p:nvPr>
+        </p:nvSpPr>
+        <p:spPr>
+          <a:xfrm>
+            <a:off x="345567" y="1170432"/>
+            <a:ext cx="128016" cy="704088"/>
+          </a:xfrm>
+          <a:prstGeom prst="rect">
+            <a:avLst/>
+          </a:prstGeom>
+          <a:solidFill>
+            <a:schemeClr val="accent2"/>
+          </a:solidFill>
+          <a:ln>
+            <a:noFill/>
+          </a:ln>
+        </p:spPr>
+        <p:style>
+          <a:lnRef idx="2">
+            <a:schemeClr val="accent1">
+              <a:shade val="50000"/>
+            </a:schemeClr>
+          </a:lnRef>
+          <a:fillRef idx="1">
+            <a:schemeClr val="accent1"/>
+          </a:fillRef>
+          <a:effectRef idx="0">
+            <a:schemeClr val="accent1"/>
+          </a:effectRef>
+          <a:fontRef idx="minor">
+            <a:schemeClr val="lt1"/>
+          </a:fontRef>
+        </p:style>
+        <p:txBody>
+          <a:bodyPr rtlCol="0" anchor="ctr"/>
+          <a:lstStyle/>
+          <a:p>
+            <a:pPr algn="ctr"/>
+            <a:endParaRPr lang="en-US">
+              <a:solidFill>
+                <a:prstClr val="white"/>
+              </a:solidFill>
+              <a:latin typeface="Calibri" panose="020F0502020204030204"/>
+            </a:endParaRPr>
+          </a:p>
+        </p:txBody>
+      </p:sp>
+      <p:sp>
+        <p:nvSpPr>
+          <p:cNvPr id="39" name="Rectangle 38">
+            <a:extLst>
+              <a:ext uri="{FF2B5EF4-FFF2-40B4-BE49-F238E27FC236}">
+                <a16:creationId xmlns:a16="http://schemas.microsoft.com/office/drawing/2014/main" id="{2A865FE3-5FC9-4049-87CF-30019C46C0F5}"/>
+              </a:ext>
+              <a:ext uri="{C183D7F6-B498-43B3-948B-1728B52AA6E4}">
+                <adec:decorative xmlns:adec="http://schemas.microsoft.com/office/drawing/2017/decorative" val="1"/>
+              </a:ext>
+            </a:extLst>
+          </p:cNvPr>
+          <p:cNvSpPr>
+            <a:spLocks noGrp="1" noRot="1" noChangeAspect="1" noMove="1" noResize="1" noEditPoints="1" noAdjustHandles="1" noChangeArrowheads="1" noChangeShapeType="1" noTextEdit="1"/>
+          </p:cNvSpPr>
+          <p:nvPr>
+            <p:extLst>
+              <p:ext uri="{386F3935-93C4-4BCD-93E2-E3B085C9AB24}">
+                <p16:designElem xmlns:p16="http://schemas.microsoft.com/office/powerpoint/2015/main" val="1"/>
+              </p:ext>
+            </p:extLst>
+          </p:nvPr>
+        </p:nvSpPr>
+        <p:spPr>
+          <a:xfrm>
+            <a:off x="877459" y="2121408"/>
+            <a:ext cx="3328416" cy="9144"/>
+          </a:xfrm>
+          <a:prstGeom prst="rect">
+            <a:avLst/>
+          </a:prstGeom>
+          <a:solidFill>
+            <a:srgbClr val="D5D5D5"/>
+          </a:solidFill>
+          <a:ln w="3175">
+            <a:noFill/>
+          </a:ln>
+          <a:effectLst/>
+        </p:spPr>
+        <p:style>
+          <a:lnRef idx="2">
+            <a:schemeClr val="accent1">
+              <a:shade val="50000"/>
+            </a:schemeClr>
+          </a:lnRef>
+          <a:fillRef idx="1">
+            <a:schemeClr val="accent1"/>
+          </a:fillRef>
+          <a:effectRef idx="0">
+            <a:schemeClr val="accent1"/>
+          </a:effectRef>
+          <a:fontRef idx="minor">
+            <a:schemeClr val="lt1"/>
+          </a:fontRef>
+        </p:style>
+        <p:txBody>
+          <a:bodyPr rtlCol="0" anchor="ctr"/>
+          <a:lstStyle/>
+          <a:p>
+            <a:pPr marL="0" marR="0" lvl="0" indent="0" algn="ctr" defTabSz="914400" rtl="0" eaLnBrk="1" fontAlgn="auto" latinLnBrk="0" hangingPunct="1">
+              <a:lnSpc>
+                <a:spcPct val="100000"/>
+              </a:lnSpc>
+              <a:spcBef>
+                <a:spcPts val="0"/>
+              </a:spcBef>
+              <a:spcAft>
+                <a:spcPts val="0"/>
+              </a:spcAft>
+              <a:buClrTx/>
+              <a:buSzTx/>
+              <a:buFontTx/>
+              <a:buNone/>
+              <a:tabLst/>
+              <a:defRPr/>
+            </a:pPr>
+            <a:endParaRPr kumimoji="0" lang="en-US" sz="1800" b="0" i="0" u="none" strike="noStrike" kern="1200" cap="none" spc="0" normalizeH="0" baseline="0" noProof="0">
+              <a:ln>
+                <a:noFill/>
+              </a:ln>
+              <a:solidFill>
+                <a:prstClr val="white"/>
+              </a:solidFill>
+              <a:effectLst/>
+              <a:uLnTx/>
+              <a:uFillTx/>
+              <a:latin typeface="Calibri" panose="020F0502020204030204"/>
+              <a:ea typeface="+mn-ea"/>
+              <a:cs typeface="+mn-cs"/>
+            </a:endParaRPr>
+          </a:p>
+        </p:txBody>
+      </p:sp>
+      <p:sp>
+        <p:nvSpPr>
+          <p:cNvPr id="4" name="文字版面配置區 3">
+            <a:extLst>
+              <a:ext uri="{FF2B5EF4-FFF2-40B4-BE49-F238E27FC236}">
+                <a16:creationId xmlns:a16="http://schemas.microsoft.com/office/drawing/2014/main" id="{31985925-ECBB-4C70-8682-1B2CFD0AE3DE}"/>
+              </a:ext>
+            </a:extLst>
+          </p:cNvPr>
+          <p:cNvSpPr>
+            <a:spLocks noGrp="1"/>
+          </p:cNvSpPr>
+          <p:nvPr>
+            <p:ph type="body" sz="half" idx="2"/>
+          </p:nvPr>
+        </p:nvSpPr>
+        <p:spPr>
+          <a:xfrm>
+            <a:off x="841247" y="2359152"/>
+            <a:ext cx="3410712" cy="3425043"/>
+          </a:xfrm>
+        </p:spPr>
+        <p:txBody>
+          <a:bodyPr vert="horz" lIns="91440" tIns="45720" rIns="91440" bIns="45720" rtlCol="0">
+            <a:normAutofit/>
+          </a:bodyPr>
+          <a:lstStyle/>
+          <a:p>
+            <a:pPr indent="-228600">
+              <a:buFont typeface="Arial" panose="020B0604020202020204" pitchFamily="34" charset="0"/>
+              <a:buChar char="•"/>
+            </a:pPr>
+            <a:r>
+              <a:rPr lang="zh-TW" altLang="en-US" sz="1700" dirty="0"/>
+              <a:t>若前面未使用系統管理員執行，這邊會顯示權限不足</a:t>
+            </a:r>
+            <a:endParaRPr lang="en-US" altLang="zh-TW" sz="1700" dirty="0"/>
+          </a:p>
+          <a:p>
+            <a:pPr indent="-228600">
+              <a:buFont typeface="Arial" panose="020B0604020202020204" pitchFamily="34" charset="0"/>
+              <a:buChar char="•"/>
+            </a:pPr>
+            <a:r>
+              <a:rPr lang="zh-TW" altLang="en-US" sz="1700" dirty="0"/>
+              <a:t>執行策略</a:t>
+            </a:r>
+            <a:endParaRPr lang="en-US" altLang="zh-TW" sz="1700" dirty="0"/>
+          </a:p>
+        </p:txBody>
+      </p:sp>
+      <p:pic>
+        <p:nvPicPr>
+          <p:cNvPr id="6" name="圖片 5">
+            <a:extLst>
+              <a:ext uri="{FF2B5EF4-FFF2-40B4-BE49-F238E27FC236}">
+                <a16:creationId xmlns:a16="http://schemas.microsoft.com/office/drawing/2014/main" id="{C8336B2B-4EF5-475E-A42C-619B3DB2063C}"/>
+              </a:ext>
+            </a:extLst>
+          </p:cNvPr>
+          <p:cNvPicPr>
+            <a:picLocks noChangeAspect="1"/>
+          </p:cNvPicPr>
+          <p:nvPr/>
+        </p:nvPicPr>
+        <p:blipFill>
+          <a:blip r:embed="rId2"/>
+          <a:stretch>
+            <a:fillRect/>
+          </a:stretch>
+        </p:blipFill>
+        <p:spPr>
+          <a:xfrm>
+            <a:off x="4752966" y="633618"/>
+            <a:ext cx="7439034" cy="1583221"/>
+          </a:xfrm>
+          <a:prstGeom prst="rect">
+            <a:avLst/>
+          </a:prstGeom>
+        </p:spPr>
+      </p:pic>
+      <p:pic>
+        <p:nvPicPr>
+          <p:cNvPr id="11" name="圖片 10">
+            <a:extLst>
+              <a:ext uri="{FF2B5EF4-FFF2-40B4-BE49-F238E27FC236}">
+                <a16:creationId xmlns:a16="http://schemas.microsoft.com/office/drawing/2014/main" id="{7BCBBBBF-EBCA-4F7B-9B2A-BB6F25A83626}"/>
+              </a:ext>
+            </a:extLst>
+          </p:cNvPr>
+          <p:cNvPicPr>
+            <a:picLocks noChangeAspect="1"/>
+          </p:cNvPicPr>
+          <p:nvPr/>
+        </p:nvPicPr>
+        <p:blipFill>
+          <a:blip r:embed="rId3"/>
+          <a:stretch>
+            <a:fillRect/>
+          </a:stretch>
+        </p:blipFill>
+        <p:spPr>
+          <a:xfrm>
+            <a:off x="4787112" y="2274114"/>
+            <a:ext cx="6563641" cy="1152686"/>
+          </a:xfrm>
+          <a:prstGeom prst="rect">
+            <a:avLst/>
+          </a:prstGeom>
+        </p:spPr>
+      </p:pic>
+      <p:pic>
+        <p:nvPicPr>
+          <p:cNvPr id="8" name="圖片 7">
+            <a:extLst>
+              <a:ext uri="{FF2B5EF4-FFF2-40B4-BE49-F238E27FC236}">
+                <a16:creationId xmlns:a16="http://schemas.microsoft.com/office/drawing/2014/main" id="{04C3D013-93DB-4300-809E-BA90B3C0DA4F}"/>
+              </a:ext>
+            </a:extLst>
+          </p:cNvPr>
+          <p:cNvPicPr>
+            <a:picLocks noChangeAspect="1"/>
+          </p:cNvPicPr>
+          <p:nvPr/>
+        </p:nvPicPr>
+        <p:blipFill>
+          <a:blip r:embed="rId4"/>
+          <a:stretch>
+            <a:fillRect/>
+          </a:stretch>
+        </p:blipFill>
+        <p:spPr>
+          <a:xfrm>
+            <a:off x="4787112" y="3614409"/>
+            <a:ext cx="4296375" cy="457264"/>
+          </a:xfrm>
+          <a:prstGeom prst="rect">
+            <a:avLst/>
+          </a:prstGeom>
+        </p:spPr>
+      </p:pic>
+    </p:spTree>
+    <p:extLst>
+      <p:ext uri="{BB962C8B-B14F-4D97-AF65-F5344CB8AC3E}">
+        <p14:creationId xmlns:p14="http://schemas.microsoft.com/office/powerpoint/2010/main" val="710033920"/>
+      </p:ext>
+    </p:extLst>
+  </p:cSld>
+  <p:clrMapOvr>
+    <a:masterClrMapping/>
+  </p:clrMapOvr>
+</p:sld>
+</file>
+
+<file path=ppt/slides/slide12.xml><?xml version="1.0" encoding="utf-8"?>
+<p:sld xmlns:a="http://schemas.openxmlformats.org/drawingml/2006/main" xmlns:r="http://schemas.openxmlformats.org/officeDocument/2006/relationships" xmlns:p="http://schemas.openxmlformats.org/presentationml/2006/main">
+  <p:cSld>
+    <p:bg>
+      <p:bgPr>
+        <a:solidFill>
+          <a:schemeClr val="bg1"/>
+        </a:solidFill>
+        <a:effectLst/>
+      </p:bgPr>
+    </p:bg>
+    <p:spTree>
+      <p:nvGrpSpPr>
+        <p:cNvPr id="1" name=""/>
+        <p:cNvGrpSpPr/>
+        <p:nvPr/>
+      </p:nvGrpSpPr>
+      <p:grpSpPr>
+        <a:xfrm>
+          <a:off x="0" y="0"/>
+          <a:ext cx="0" cy="0"/>
+          <a:chOff x="0" y="0"/>
+          <a:chExt cx="0" cy="0"/>
+        </a:xfrm>
+      </p:grpSpPr>
+      <p:sp useBgFill="1">
+        <p:nvSpPr>
+          <p:cNvPr id="33" name="Rectangle 32">
+            <a:extLst>
+              <a:ext uri="{FF2B5EF4-FFF2-40B4-BE49-F238E27FC236}">
+                <a16:creationId xmlns:a16="http://schemas.microsoft.com/office/drawing/2014/main" id="{1ECAB1E8-8195-4748-BE71-FF806D86892E}"/>
+              </a:ext>
+              <a:ext uri="{C183D7F6-B498-43B3-948B-1728B52AA6E4}">
+                <adec:decorative xmlns:adec="http://schemas.microsoft.com/office/drawing/2017/decorative" val="1"/>
+              </a:ext>
+            </a:extLst>
+          </p:cNvPr>
+          <p:cNvSpPr>
+            <a:spLocks noGrp="1" noRot="1" noChangeAspect="1" noMove="1" noResize="1" noEditPoints="1" noAdjustHandles="1" noChangeArrowheads="1" noChangeShapeType="1" noTextEdit="1"/>
+          </p:cNvSpPr>
+          <p:nvPr>
+            <p:extLst>
+              <p:ext uri="{386F3935-93C4-4BCD-93E2-E3B085C9AB24}">
+                <p16:designElem xmlns:p16="http://schemas.microsoft.com/office/powerpoint/2015/main" val="1"/>
+              </p:ext>
+            </p:extLst>
+          </p:nvPr>
+        </p:nvSpPr>
+        <p:spPr>
+          <a:xfrm>
+            <a:off x="0" y="0"/>
+            <a:ext cx="12192000" cy="6858000"/>
+          </a:xfrm>
+          <a:prstGeom prst="rect">
+            <a:avLst/>
+          </a:prstGeom>
+          <a:ln>
+            <a:noFill/>
+          </a:ln>
+        </p:spPr>
+        <p:style>
+          <a:lnRef idx="2">
+            <a:schemeClr val="accent1">
+              <a:shade val="50000"/>
+            </a:schemeClr>
+          </a:lnRef>
+          <a:fillRef idx="1">
+            <a:schemeClr val="accent1"/>
+          </a:fillRef>
+          <a:effectRef idx="0">
+            <a:schemeClr val="accent1"/>
+          </a:effectRef>
+          <a:fontRef idx="minor">
+            <a:schemeClr val="lt1"/>
+          </a:fontRef>
+        </p:style>
+        <p:txBody>
+          <a:bodyPr rtlCol="0" anchor="ctr"/>
+          <a:lstStyle/>
+          <a:p>
+            <a:pPr algn="ctr"/>
+            <a:endParaRPr lang="en-US"/>
+          </a:p>
+        </p:txBody>
+      </p:sp>
+      <p:sp useBgFill="1">
+        <p:nvSpPr>
+          <p:cNvPr id="35" name="Rectangle 34">
+            <a:extLst>
+              <a:ext uri="{FF2B5EF4-FFF2-40B4-BE49-F238E27FC236}">
+                <a16:creationId xmlns:a16="http://schemas.microsoft.com/office/drawing/2014/main" id="{57F6BDD4-E066-4008-8011-6CC31AEB4556}"/>
+              </a:ext>
+              <a:ext uri="{C183D7F6-B498-43B3-948B-1728B52AA6E4}">
+                <adec:decorative xmlns:adec="http://schemas.microsoft.com/office/drawing/2017/decorative" val="1"/>
+              </a:ext>
+            </a:extLst>
+          </p:cNvPr>
+          <p:cNvSpPr>
+            <a:spLocks noGrp="1" noRot="1" noChangeAspect="1" noMove="1" noResize="1" noEditPoints="1" noAdjustHandles="1" noChangeArrowheads="1" noChangeShapeType="1" noTextEdit="1"/>
+          </p:cNvSpPr>
+          <p:nvPr>
+            <p:extLst>
+              <p:ext uri="{386F3935-93C4-4BCD-93E2-E3B085C9AB24}">
+                <p16:designElem xmlns:p16="http://schemas.microsoft.com/office/powerpoint/2015/main" val="1"/>
+              </p:ext>
+            </p:extLst>
+          </p:nvPr>
+        </p:nvSpPr>
+        <p:spPr>
+          <a:xfrm>
+            <a:off x="409575" y="633619"/>
+            <a:ext cx="4279383" cy="5495925"/>
+          </a:xfrm>
+          <a:prstGeom prst="rect">
+            <a:avLst/>
+          </a:prstGeom>
+          <a:ln w="9525">
+            <a:solidFill>
+              <a:srgbClr val="E1E1E1"/>
+            </a:solidFill>
+          </a:ln>
+          <a:effectLst>
+            <a:outerShdw blurRad="50800" dist="38100" dir="2700000" algn="tl" rotWithShape="0">
+              <a:schemeClr val="bg1">
+                <a:lumMod val="85000"/>
+                <a:alpha val="50000"/>
+              </a:schemeClr>
+            </a:outerShdw>
+          </a:effectLst>
+        </p:spPr>
+        <p:style>
+          <a:lnRef idx="2">
+            <a:schemeClr val="accent1">
+              <a:shade val="50000"/>
+            </a:schemeClr>
+          </a:lnRef>
+          <a:fillRef idx="1">
+            <a:schemeClr val="accent1"/>
+          </a:fillRef>
+          <a:effectRef idx="0">
+            <a:schemeClr val="accent1"/>
+          </a:effectRef>
+          <a:fontRef idx="minor">
+            <a:schemeClr val="lt1"/>
+          </a:fontRef>
+        </p:style>
+        <p:txBody>
+          <a:bodyPr rtlCol="0" anchor="ctr"/>
+          <a:lstStyle/>
+          <a:p>
+            <a:pPr marL="0" marR="0" lvl="0" indent="0" algn="ctr" defTabSz="914400" rtl="0" eaLnBrk="1" fontAlgn="auto" latinLnBrk="0" hangingPunct="1">
+              <a:lnSpc>
+                <a:spcPct val="100000"/>
+              </a:lnSpc>
+              <a:spcBef>
+                <a:spcPts val="0"/>
+              </a:spcBef>
+              <a:spcAft>
+                <a:spcPts val="0"/>
+              </a:spcAft>
+              <a:buClrTx/>
+              <a:buSzTx/>
+              <a:buFontTx/>
+              <a:buNone/>
+              <a:tabLst/>
+              <a:defRPr/>
+            </a:pPr>
+            <a:endParaRPr kumimoji="0" lang="en-US" sz="1800" b="0" i="0" u="none" strike="noStrike" kern="1200" cap="none" spc="0" normalizeH="0" baseline="0" noProof="0">
+              <a:ln>
+                <a:noFill/>
+              </a:ln>
+              <a:solidFill>
+                <a:prstClr val="white"/>
+              </a:solidFill>
+              <a:effectLst/>
+              <a:uLnTx/>
+              <a:uFillTx/>
+              <a:latin typeface="Calibri" panose="020F0502020204030204"/>
+              <a:ea typeface="+mn-ea"/>
+              <a:cs typeface="+mn-cs"/>
+            </a:endParaRPr>
+          </a:p>
+        </p:txBody>
+      </p:sp>
+      <p:sp>
+        <p:nvSpPr>
+          <p:cNvPr id="2" name="標題 1">
+            <a:extLst>
+              <a:ext uri="{FF2B5EF4-FFF2-40B4-BE49-F238E27FC236}">
+                <a16:creationId xmlns:a16="http://schemas.microsoft.com/office/drawing/2014/main" id="{7B921208-7B26-46F1-8231-3E7D813F2DF5}"/>
+              </a:ext>
+            </a:extLst>
+          </p:cNvPr>
+          <p:cNvSpPr>
+            <a:spLocks noGrp="1"/>
+          </p:cNvSpPr>
+          <p:nvPr>
+            <p:ph type="title"/>
+          </p:nvPr>
+        </p:nvSpPr>
+        <p:spPr>
+          <a:xfrm>
+            <a:off x="841247" y="978619"/>
+            <a:ext cx="3410712" cy="1106424"/>
+          </a:xfrm>
+        </p:spPr>
+        <p:txBody>
+          <a:bodyPr vert="horz" lIns="91440" tIns="45720" rIns="91440" bIns="45720" rtlCol="0" anchor="ctr">
+            <a:normAutofit/>
+          </a:bodyPr>
+          <a:lstStyle/>
+          <a:p>
+            <a:r>
+              <a:rPr lang="en-US" altLang="zh-TW" sz="2800" dirty="0" err="1"/>
+              <a:t>Powershell</a:t>
+            </a:r>
+            <a:r>
+              <a:rPr lang="zh-TW" altLang="en-US" sz="2800" dirty="0"/>
+              <a:t> </a:t>
+            </a:r>
+            <a:r>
+              <a:rPr lang="en-US" altLang="zh-TW" sz="2800" dirty="0"/>
+              <a:t>ISE</a:t>
+            </a:r>
+            <a:br>
+              <a:rPr lang="en-US" altLang="zh-TW" sz="2800" dirty="0"/>
+            </a:br>
+            <a:endParaRPr lang="en-US" altLang="zh-TW" sz="2800" dirty="0">
+              <a:solidFill>
+                <a:srgbClr val="FF0000"/>
+              </a:solidFill>
+            </a:endParaRPr>
+          </a:p>
+        </p:txBody>
+      </p:sp>
+      <p:sp>
+        <p:nvSpPr>
+          <p:cNvPr id="37" name="Rectangle 36">
+            <a:extLst>
+              <a:ext uri="{FF2B5EF4-FFF2-40B4-BE49-F238E27FC236}">
+                <a16:creationId xmlns:a16="http://schemas.microsoft.com/office/drawing/2014/main" id="{2711A8FB-68FC-45FC-B01E-38F809E2D439}"/>
+              </a:ext>
+              <a:ext uri="{C183D7F6-B498-43B3-948B-1728B52AA6E4}">
+                <adec:decorative xmlns:adec="http://schemas.microsoft.com/office/drawing/2017/decorative" val="1"/>
+              </a:ext>
+            </a:extLst>
+          </p:cNvPr>
+          <p:cNvSpPr>
+            <a:spLocks noGrp="1" noRot="1" noChangeAspect="1" noMove="1" noResize="1" noEditPoints="1" noAdjustHandles="1" noChangeArrowheads="1" noChangeShapeType="1" noTextEdit="1"/>
+          </p:cNvSpPr>
+          <p:nvPr>
+            <p:extLst>
+              <p:ext uri="{386F3935-93C4-4BCD-93E2-E3B085C9AB24}">
+                <p16:designElem xmlns:p16="http://schemas.microsoft.com/office/powerpoint/2015/main" val="1"/>
+              </p:ext>
+            </p:extLst>
+          </p:nvPr>
+        </p:nvSpPr>
+        <p:spPr>
+          <a:xfrm>
+            <a:off x="345567" y="1170432"/>
+            <a:ext cx="128016" cy="704088"/>
+          </a:xfrm>
+          <a:prstGeom prst="rect">
+            <a:avLst/>
+          </a:prstGeom>
+          <a:solidFill>
+            <a:schemeClr val="accent2"/>
+          </a:solidFill>
+          <a:ln>
+            <a:noFill/>
+          </a:ln>
+        </p:spPr>
+        <p:style>
+          <a:lnRef idx="2">
+            <a:schemeClr val="accent1">
+              <a:shade val="50000"/>
+            </a:schemeClr>
+          </a:lnRef>
+          <a:fillRef idx="1">
+            <a:schemeClr val="accent1"/>
+          </a:fillRef>
+          <a:effectRef idx="0">
+            <a:schemeClr val="accent1"/>
+          </a:effectRef>
+          <a:fontRef idx="minor">
+            <a:schemeClr val="lt1"/>
+          </a:fontRef>
+        </p:style>
+        <p:txBody>
+          <a:bodyPr rtlCol="0" anchor="ctr"/>
+          <a:lstStyle/>
+          <a:p>
+            <a:pPr algn="ctr"/>
+            <a:endParaRPr lang="en-US">
+              <a:solidFill>
+                <a:prstClr val="white"/>
+              </a:solidFill>
+              <a:latin typeface="Calibri" panose="020F0502020204030204"/>
+            </a:endParaRPr>
+          </a:p>
+        </p:txBody>
+      </p:sp>
+      <p:sp>
+        <p:nvSpPr>
+          <p:cNvPr id="39" name="Rectangle 38">
+            <a:extLst>
+              <a:ext uri="{FF2B5EF4-FFF2-40B4-BE49-F238E27FC236}">
+                <a16:creationId xmlns:a16="http://schemas.microsoft.com/office/drawing/2014/main" id="{2A865FE3-5FC9-4049-87CF-30019C46C0F5}"/>
+              </a:ext>
+              <a:ext uri="{C183D7F6-B498-43B3-948B-1728B52AA6E4}">
+                <adec:decorative xmlns:adec="http://schemas.microsoft.com/office/drawing/2017/decorative" val="1"/>
+              </a:ext>
+            </a:extLst>
+          </p:cNvPr>
+          <p:cNvSpPr>
+            <a:spLocks noGrp="1" noRot="1" noChangeAspect="1" noMove="1" noResize="1" noEditPoints="1" noAdjustHandles="1" noChangeArrowheads="1" noChangeShapeType="1" noTextEdit="1"/>
+          </p:cNvSpPr>
+          <p:nvPr>
+            <p:extLst>
+              <p:ext uri="{386F3935-93C4-4BCD-93E2-E3B085C9AB24}">
+                <p16:designElem xmlns:p16="http://schemas.microsoft.com/office/powerpoint/2015/main" val="1"/>
+              </p:ext>
+            </p:extLst>
+          </p:nvPr>
+        </p:nvSpPr>
+        <p:spPr>
+          <a:xfrm>
+            <a:off x="877459" y="2121408"/>
+            <a:ext cx="3328416" cy="9144"/>
+          </a:xfrm>
+          <a:prstGeom prst="rect">
+            <a:avLst/>
+          </a:prstGeom>
+          <a:solidFill>
+            <a:srgbClr val="D5D5D5"/>
+          </a:solidFill>
+          <a:ln w="3175">
+            <a:noFill/>
+          </a:ln>
+          <a:effectLst/>
+        </p:spPr>
+        <p:style>
+          <a:lnRef idx="2">
+            <a:schemeClr val="accent1">
+              <a:shade val="50000"/>
+            </a:schemeClr>
+          </a:lnRef>
+          <a:fillRef idx="1">
+            <a:schemeClr val="accent1"/>
+          </a:fillRef>
+          <a:effectRef idx="0">
+            <a:schemeClr val="accent1"/>
+          </a:effectRef>
+          <a:fontRef idx="minor">
+            <a:schemeClr val="lt1"/>
+          </a:fontRef>
+        </p:style>
+        <p:txBody>
+          <a:bodyPr rtlCol="0" anchor="ctr"/>
+          <a:lstStyle/>
+          <a:p>
+            <a:pPr marL="0" marR="0" lvl="0" indent="0" algn="ctr" defTabSz="914400" rtl="0" eaLnBrk="1" fontAlgn="auto" latinLnBrk="0" hangingPunct="1">
+              <a:lnSpc>
+                <a:spcPct val="100000"/>
+              </a:lnSpc>
+              <a:spcBef>
+                <a:spcPts val="0"/>
+              </a:spcBef>
+              <a:spcAft>
+                <a:spcPts val="0"/>
+              </a:spcAft>
+              <a:buClrTx/>
+              <a:buSzTx/>
+              <a:buFontTx/>
+              <a:buNone/>
+              <a:tabLst/>
+              <a:defRPr/>
+            </a:pPr>
+            <a:endParaRPr kumimoji="0" lang="en-US" sz="1800" b="0" i="0" u="none" strike="noStrike" kern="1200" cap="none" spc="0" normalizeH="0" baseline="0" noProof="0">
+              <a:ln>
+                <a:noFill/>
+              </a:ln>
+              <a:solidFill>
+                <a:prstClr val="white"/>
+              </a:solidFill>
+              <a:effectLst/>
+              <a:uLnTx/>
+              <a:uFillTx/>
+              <a:latin typeface="Calibri" panose="020F0502020204030204"/>
+              <a:ea typeface="+mn-ea"/>
+              <a:cs typeface="+mn-cs"/>
+            </a:endParaRPr>
+          </a:p>
+        </p:txBody>
+      </p:sp>
+      <p:sp>
+        <p:nvSpPr>
+          <p:cNvPr id="4" name="文字版面配置區 3">
+            <a:extLst>
+              <a:ext uri="{FF2B5EF4-FFF2-40B4-BE49-F238E27FC236}">
+                <a16:creationId xmlns:a16="http://schemas.microsoft.com/office/drawing/2014/main" id="{31985925-ECBB-4C70-8682-1B2CFD0AE3DE}"/>
+              </a:ext>
+            </a:extLst>
+          </p:cNvPr>
+          <p:cNvSpPr>
+            <a:spLocks noGrp="1"/>
+          </p:cNvSpPr>
+          <p:nvPr>
+            <p:ph type="body" sz="half" idx="2"/>
+          </p:nvPr>
+        </p:nvSpPr>
+        <p:spPr>
+          <a:xfrm>
+            <a:off x="841247" y="2359152"/>
+            <a:ext cx="3410712" cy="3425043"/>
+          </a:xfrm>
+        </p:spPr>
+        <p:txBody>
+          <a:bodyPr vert="horz" lIns="91440" tIns="45720" rIns="91440" bIns="45720" rtlCol="0">
+            <a:normAutofit/>
+          </a:bodyPr>
+          <a:lstStyle/>
+          <a:p>
+            <a:pPr indent="-228600">
+              <a:buFont typeface="Arial" panose="020B0604020202020204" pitchFamily="34" charset="0"/>
+              <a:buChar char="•"/>
+            </a:pPr>
+            <a:endParaRPr lang="en-US" altLang="zh-TW" sz="1700" dirty="0"/>
+          </a:p>
+        </p:txBody>
+      </p:sp>
+    </p:spTree>
+    <p:extLst>
+      <p:ext uri="{BB962C8B-B14F-4D97-AF65-F5344CB8AC3E}">
+        <p14:creationId xmlns:p14="http://schemas.microsoft.com/office/powerpoint/2010/main" val="75478070"/>
+      </p:ext>
+    </p:extLst>
+  </p:cSld>
+  <p:clrMapOvr>
+    <a:masterClrMapping/>
+  </p:clrMapOvr>
+</p:sld>
+</file>
+
 <file path=ppt/slides/slide2.xml><?xml version="1.0" encoding="utf-8"?>
 <p:sld xmlns:a="http://schemas.openxmlformats.org/drawingml/2006/main" xmlns:r="http://schemas.openxmlformats.org/officeDocument/2006/relationships" xmlns:p="http://schemas.openxmlformats.org/presentationml/2006/main">
   <p:cSld>
@@ -5202,7 +6699,7 @@
       </p:grpSpPr>
       <p:sp useBgFill="1">
         <p:nvSpPr>
-          <p:cNvPr id="22" name="Rectangle 21">
+          <p:cNvPr id="11" name="Rectangle 10">
             <a:extLst>
               <a:ext uri="{FF2B5EF4-FFF2-40B4-BE49-F238E27FC236}">
                 <a16:creationId xmlns:a16="http://schemas.microsoft.com/office/drawing/2014/main" id="{1ECAB1E8-8195-4748-BE71-FF806D86892E}"/>
@@ -5262,7 +6759,7 @@
       </p:sp>
       <p:sp useBgFill="1">
         <p:nvSpPr>
-          <p:cNvPr id="24" name="Rectangle 23">
+          <p:cNvPr id="13" name="Rectangle 12">
             <a:extLst>
               <a:ext uri="{FF2B5EF4-FFF2-40B4-BE49-F238E27FC236}">
                 <a16:creationId xmlns:a16="http://schemas.microsoft.com/office/drawing/2014/main" id="{57F6BDD4-E066-4008-8011-6CC31AEB4556}"/>
@@ -5377,8 +6874,8 @@
         </p:nvSpPr>
         <p:spPr>
           <a:xfrm>
-            <a:off x="473582" y="728456"/>
-            <a:ext cx="4053593" cy="1356587"/>
+            <a:off x="841247" y="978619"/>
+            <a:ext cx="3410712" cy="1106424"/>
           </a:xfrm>
         </p:spPr>
         <p:txBody>
@@ -5404,37 +6901,14 @@
                   <a:srgbClr val="FF0000"/>
                 </a:solidFill>
               </a:rPr>
-              <a:t>Get-Command</a:t>
-            </a:r>
-            <a:br>
-              <a:rPr lang="en-US" altLang="zh-TW" sz="2800" dirty="0">
-                <a:solidFill>
-                  <a:srgbClr val="FF0000"/>
-                </a:solidFill>
-              </a:rPr>
-            </a:br>
-            <a:r>
-              <a:rPr lang="en-US" altLang="zh-TW" sz="2400" dirty="0" err="1">
-                <a:solidFill>
-                  <a:srgbClr val="002060"/>
-                </a:solidFill>
-              </a:rPr>
-              <a:t>Get-Command</a:t>
-            </a:r>
-            <a:r>
-              <a:rPr lang="en-US" altLang="zh-TW" sz="2400" dirty="0">
-                <a:solidFill>
-                  <a:srgbClr val="002060"/>
-                </a:solidFill>
-              </a:rPr>
-              <a:t> -Type Cmdlet</a:t>
-            </a:r>
-          </a:p>
-        </p:txBody>
-      </p:sp>
-      <p:sp>
-        <p:nvSpPr>
-          <p:cNvPr id="26" name="Rectangle 25">
+              <a:t>Get-Help</a:t>
+            </a:r>
+          </a:p>
+        </p:txBody>
+      </p:sp>
+      <p:sp>
+        <p:nvSpPr>
+          <p:cNvPr id="15" name="Rectangle 14">
             <a:extLst>
               <a:ext uri="{FF2B5EF4-FFF2-40B4-BE49-F238E27FC236}">
                 <a16:creationId xmlns:a16="http://schemas.microsoft.com/office/drawing/2014/main" id="{2711A8FB-68FC-45FC-B01E-38F809E2D439}"/>
@@ -5502,7 +6976,7 @@
       </p:sp>
       <p:sp>
         <p:nvSpPr>
-          <p:cNvPr id="28" name="Rectangle 27">
+          <p:cNvPr id="17" name="Rectangle 16">
             <a:extLst>
               <a:ext uri="{FF2B5EF4-FFF2-40B4-BE49-F238E27FC236}">
                 <a16:creationId xmlns:a16="http://schemas.microsoft.com/office/drawing/2014/main" id="{2A865FE3-5FC9-4049-87CF-30019C46C0F5}"/>
@@ -5595,224 +7069,37 @@
       </p:sp>
       <p:sp>
         <p:nvSpPr>
-          <p:cNvPr id="3" name="Rectangle 1">
-            <a:extLst>
-              <a:ext uri="{FF2B5EF4-FFF2-40B4-BE49-F238E27FC236}">
-                <a16:creationId xmlns:a16="http://schemas.microsoft.com/office/drawing/2014/main" id="{8F20B45A-9207-4B08-8A50-220D896910F5}"/>
-              </a:ext>
-            </a:extLst>
-          </p:cNvPr>
-          <p:cNvSpPr>
-            <a:spLocks noGrp="1" noChangeArrowheads="1"/>
+          <p:cNvPr id="4" name="文字版面配置區 3">
+            <a:extLst>
+              <a:ext uri="{FF2B5EF4-FFF2-40B4-BE49-F238E27FC236}">
+                <a16:creationId xmlns:a16="http://schemas.microsoft.com/office/drawing/2014/main" id="{31985925-ECBB-4C70-8682-1B2CFD0AE3DE}"/>
+              </a:ext>
+            </a:extLst>
+          </p:cNvPr>
+          <p:cNvSpPr>
+            <a:spLocks noGrp="1"/>
           </p:cNvSpPr>
           <p:nvPr>
             <p:ph type="body" sz="half" idx="2"/>
           </p:nvPr>
         </p:nvSpPr>
-        <p:spPr bwMode="auto">
-          <a:xfrm>
-            <a:off x="473583" y="2117559"/>
-            <a:ext cx="4215375" cy="830997"/>
-          </a:xfrm>
-          <a:prstGeom prst="rect">
-            <a:avLst/>
-          </a:prstGeom>
-          <a:noFill/>
-          <a:ln>
-            <a:noFill/>
-          </a:ln>
-          <a:effectLst/>
-          <a:extLst>
-            <a:ext uri="{909E8E84-426E-40DD-AFC4-6F175D3DCCD1}">
-              <a14:hiddenFill xmlns:a14="http://schemas.microsoft.com/office/drawing/2010/main">
-                <a:solidFill>
-                  <a:schemeClr val="accent1"/>
-                </a:solidFill>
-              </a14:hiddenFill>
-            </a:ext>
-            <a:ext uri="{91240B29-F687-4F45-9708-019B960494DF}">
-              <a14:hiddenLine xmlns:a14="http://schemas.microsoft.com/office/drawing/2010/main" w="9525">
-                <a:solidFill>
-                  <a:schemeClr val="tx1"/>
-                </a:solidFill>
-                <a:miter lim="800000"/>
-                <a:headEnd/>
-                <a:tailEnd/>
-              </a14:hiddenLine>
-            </a:ext>
-            <a:ext uri="{AF507438-7753-43E0-B8FC-AC1667EBCBE1}">
-              <a14:hiddenEffects xmlns:a14="http://schemas.microsoft.com/office/drawing/2010/main">
-                <a:effectLst>
-                  <a:outerShdw dist="35921" dir="2700000" algn="ctr" rotWithShape="0">
-                    <a:schemeClr val="bg2"/>
-                  </a:outerShdw>
-                </a:effectLst>
-              </a14:hiddenEffects>
-            </a:ext>
-          </a:extLst>
-        </p:spPr>
-        <p:txBody>
-          <a:bodyPr vert="horz" wrap="square" lIns="0" tIns="0" rIns="0" bIns="0" numCol="1" anchor="ctr" anchorCtr="0" compatLnSpc="1">
-            <a:prstTxWarp prst="textNoShape">
-              <a:avLst/>
-            </a:prstTxWarp>
-            <a:spAutoFit/>
+        <p:spPr>
+          <a:xfrm>
+            <a:off x="841247" y="2359152"/>
+            <a:ext cx="3410712" cy="3425043"/>
+          </a:xfrm>
+        </p:spPr>
+        <p:txBody>
+          <a:bodyPr vert="horz" lIns="91440" tIns="45720" rIns="91440" bIns="45720" rtlCol="0">
+            <a:normAutofit/>
           </a:bodyPr>
           <a:lstStyle/>
           <a:p>
-            <a:pPr marL="0" marR="0" lvl="0" indent="0" algn="l" defTabSz="914400" rtl="0" eaLnBrk="0" fontAlgn="base" latinLnBrk="0" hangingPunct="0">
-              <a:lnSpc>
-                <a:spcPct val="100000"/>
-              </a:lnSpc>
-              <a:spcBef>
-                <a:spcPct val="0"/>
-              </a:spcBef>
-              <a:spcAft>
-                <a:spcPct val="0"/>
-              </a:spcAft>
-              <a:buClrTx/>
-              <a:buSzTx/>
-              <a:buFontTx/>
-              <a:buNone/>
-              <a:tabLst/>
+            <a:pPr indent="-228600">
+              <a:buFont typeface="Arial" panose="020B0604020202020204" pitchFamily="34" charset="0"/>
+              <a:buChar char="•"/>
             </a:pPr>
-            <a:r>
-              <a:rPr lang="zh-TW" altLang="en-US" sz="1800" dirty="0">
-                <a:latin typeface="Arial" panose="020B0604020202020204" pitchFamily="34" charset="0"/>
-              </a:rPr>
-              <a:t>在</a:t>
-            </a:r>
-            <a:r>
-              <a:rPr lang="en-US" altLang="zh-TW" sz="1800" dirty="0">
-                <a:latin typeface="Arial" panose="020B0604020202020204" pitchFamily="34" charset="0"/>
-              </a:rPr>
-              <a:t>Get-command</a:t>
-            </a:r>
-            <a:r>
-              <a:rPr lang="zh-TW" altLang="en-US" sz="1800" dirty="0">
-                <a:latin typeface="Arial" panose="020B0604020202020204" pitchFamily="34" charset="0"/>
-              </a:rPr>
-              <a:t>的基礎上</a:t>
-            </a:r>
-            <a:r>
-              <a:rPr kumimoji="0" lang="en-US" altLang="zh-TW" sz="1800" b="0" i="0" u="none" strike="noStrike" cap="none" normalizeH="0" baseline="0" dirty="0">
-                <a:ln>
-                  <a:noFill/>
-                </a:ln>
-                <a:solidFill>
-                  <a:schemeClr val="tx1"/>
-                </a:solidFill>
-                <a:effectLst/>
-                <a:latin typeface="Arial" panose="020B0604020202020204" pitchFamily="34" charset="0"/>
-              </a:rPr>
-              <a:t>Search</a:t>
-            </a:r>
-            <a:r>
-              <a:rPr kumimoji="0" lang="zh-TW" altLang="en-US" sz="1800" b="0" i="0" u="none" strike="noStrike" cap="none" normalizeH="0" baseline="0" dirty="0">
-                <a:ln>
-                  <a:noFill/>
-                </a:ln>
-                <a:solidFill>
-                  <a:schemeClr val="tx1"/>
-                </a:solidFill>
-                <a:effectLst/>
-                <a:latin typeface="Arial" panose="020B0604020202020204" pitchFamily="34" charset="0"/>
-              </a:rPr>
-              <a:t>所有</a:t>
-            </a:r>
-            <a:r>
-              <a:rPr kumimoji="0" lang="en-US" altLang="zh-TW" sz="1800" b="0" i="0" u="none" strike="noStrike" cap="none" normalizeH="0" baseline="0" dirty="0" err="1">
-                <a:ln>
-                  <a:noFill/>
-                </a:ln>
-                <a:solidFill>
-                  <a:schemeClr val="tx1"/>
-                </a:solidFill>
-                <a:effectLst/>
-                <a:latin typeface="Arial" panose="020B0604020202020204" pitchFamily="34" charset="0"/>
-              </a:rPr>
-              <a:t>CommandType</a:t>
-            </a:r>
-            <a:r>
-              <a:rPr kumimoji="0" lang="zh-TW" altLang="en-US" sz="1800" b="0" i="0" u="none" strike="noStrike" cap="none" normalizeH="0" baseline="0" dirty="0">
-                <a:ln>
-                  <a:noFill/>
-                </a:ln>
-                <a:solidFill>
-                  <a:schemeClr val="tx1"/>
-                </a:solidFill>
-                <a:effectLst/>
-                <a:latin typeface="Arial" panose="020B0604020202020204" pitchFamily="34" charset="0"/>
-              </a:rPr>
-              <a:t>為</a:t>
-            </a:r>
-            <a:r>
-              <a:rPr kumimoji="0" lang="en-US" altLang="zh-TW" sz="1800" b="0" i="0" u="none" strike="noStrike" cap="none" normalizeH="0" baseline="0" dirty="0">
-                <a:ln>
-                  <a:noFill/>
-                </a:ln>
-                <a:solidFill>
-                  <a:schemeClr val="tx1"/>
-                </a:solidFill>
-                <a:effectLst/>
-                <a:latin typeface="Arial" panose="020B0604020202020204" pitchFamily="34" charset="0"/>
-              </a:rPr>
-              <a:t>Cmdlet</a:t>
-            </a:r>
-            <a:r>
-              <a:rPr kumimoji="0" lang="zh-TW" altLang="en-US" sz="1800" b="0" i="0" u="none" strike="noStrike" cap="none" normalizeH="0" baseline="0" dirty="0">
-                <a:ln>
-                  <a:noFill/>
-                </a:ln>
-                <a:solidFill>
-                  <a:schemeClr val="tx1"/>
-                </a:solidFill>
-                <a:effectLst/>
-                <a:latin typeface="Arial" panose="020B0604020202020204" pitchFamily="34" charset="0"/>
-              </a:rPr>
-              <a:t>的 </a:t>
-            </a:r>
-            <a:r>
-              <a:rPr kumimoji="0" lang="en-US" altLang="zh-TW" sz="1800" b="0" i="0" u="none" strike="noStrike" cap="none" normalizeH="0" baseline="0" dirty="0">
-                <a:ln>
-                  <a:noFill/>
-                </a:ln>
-                <a:solidFill>
-                  <a:schemeClr val="tx1"/>
-                </a:solidFill>
-                <a:effectLst/>
-                <a:latin typeface="Arial" panose="020B0604020202020204" pitchFamily="34" charset="0"/>
-              </a:rPr>
-              <a:t>command</a:t>
-            </a:r>
-          </a:p>
-          <a:p>
-            <a:pPr marL="0" marR="0" lvl="0" indent="0" algn="l" defTabSz="914400" rtl="0" eaLnBrk="0" fontAlgn="base" latinLnBrk="0" hangingPunct="0">
-              <a:lnSpc>
-                <a:spcPct val="100000"/>
-              </a:lnSpc>
-              <a:spcBef>
-                <a:spcPct val="0"/>
-              </a:spcBef>
-              <a:spcAft>
-                <a:spcPct val="0"/>
-              </a:spcAft>
-              <a:buClrTx/>
-              <a:buSzTx/>
-              <a:buFontTx/>
-              <a:buNone/>
-              <a:tabLst/>
-            </a:pPr>
-            <a:endParaRPr kumimoji="0" lang="zh-TW" altLang="zh-TW" sz="1800" b="0" i="0" u="none" strike="noStrike" cap="none" normalizeH="0" baseline="0" dirty="0">
-              <a:ln>
-                <a:noFill/>
-              </a:ln>
-              <a:solidFill>
-                <a:schemeClr val="tx1"/>
-              </a:solidFill>
-              <a:effectLst/>
-              <a:latin typeface="Arial" panose="020B0604020202020204" pitchFamily="34" charset="0"/>
-            </a:endParaRPr>
+            <a:endParaRPr lang="en-US" altLang="zh-TW" sz="1700"/>
           </a:p>
         </p:txBody>
       </p:sp>
@@ -5821,7 +7108,7 @@
           <p:cNvPr id="6" name="圖片 5">
             <a:extLst>
               <a:ext uri="{FF2B5EF4-FFF2-40B4-BE49-F238E27FC236}">
-                <a16:creationId xmlns:a16="http://schemas.microsoft.com/office/drawing/2014/main" id="{8E4E1F37-7CD2-462F-AB0F-7BC584E0AC4A}"/>
+                <a16:creationId xmlns:a16="http://schemas.microsoft.com/office/drawing/2014/main" id="{B8291671-B342-4630-9825-978E2B601FE5}"/>
               </a:ext>
             </a:extLst>
           </p:cNvPr>
@@ -5830,16 +7117,15 @@
           </p:cNvPicPr>
           <p:nvPr/>
         </p:nvPicPr>
-        <p:blipFill>
+        <p:blipFill rotWithShape="1">
           <a:blip r:embed="rId2"/>
-          <a:stretch>
-            <a:fillRect/>
-          </a:stretch>
+          <a:srcRect b="3173"/>
+          <a:stretch/>
         </p:blipFill>
         <p:spPr>
           <a:xfrm>
-            <a:off x="4819339" y="125506"/>
-            <a:ext cx="6730876" cy="6858000"/>
+            <a:off x="5124450" y="634382"/>
+            <a:ext cx="6657213" cy="5495162"/>
           </a:xfrm>
           <a:prstGeom prst="rect">
             <a:avLst/>
@@ -5849,7 +7135,7 @@
     </p:spTree>
     <p:extLst>
       <p:ext uri="{BB962C8B-B14F-4D97-AF65-F5344CB8AC3E}">
-        <p14:creationId xmlns:p14="http://schemas.microsoft.com/office/powerpoint/2010/main" val="1347095862"/>
+        <p14:creationId xmlns:p14="http://schemas.microsoft.com/office/powerpoint/2010/main" val="109562473"/>
       </p:ext>
     </p:extLst>
   </p:cSld>
@@ -5886,7 +7172,7 @@
       </p:grpSpPr>
       <p:sp useBgFill="1">
         <p:nvSpPr>
-          <p:cNvPr id="11" name="Rectangle 10">
+          <p:cNvPr id="22" name="Rectangle 21">
             <a:extLst>
               <a:ext uri="{FF2B5EF4-FFF2-40B4-BE49-F238E27FC236}">
                 <a16:creationId xmlns:a16="http://schemas.microsoft.com/office/drawing/2014/main" id="{1ECAB1E8-8195-4748-BE71-FF806D86892E}"/>
@@ -5946,7 +7232,7 @@
       </p:sp>
       <p:sp useBgFill="1">
         <p:nvSpPr>
-          <p:cNvPr id="13" name="Rectangle 12">
+          <p:cNvPr id="24" name="Rectangle 23">
             <a:extLst>
               <a:ext uri="{FF2B5EF4-FFF2-40B4-BE49-F238E27FC236}">
                 <a16:creationId xmlns:a16="http://schemas.microsoft.com/office/drawing/2014/main" id="{57F6BDD4-E066-4008-8011-6CC31AEB4556}"/>
@@ -6095,7 +7381,7 @@
       </p:sp>
       <p:sp>
         <p:nvSpPr>
-          <p:cNvPr id="15" name="Rectangle 14">
+          <p:cNvPr id="26" name="Rectangle 25">
             <a:extLst>
               <a:ext uri="{FF2B5EF4-FFF2-40B4-BE49-F238E27FC236}">
                 <a16:creationId xmlns:a16="http://schemas.microsoft.com/office/drawing/2014/main" id="{2711A8FB-68FC-45FC-B01E-38F809E2D439}"/>
@@ -6163,7 +7449,7 @@
       </p:sp>
       <p:sp>
         <p:nvSpPr>
-          <p:cNvPr id="17" name="Rectangle 16">
+          <p:cNvPr id="28" name="Rectangle 27">
             <a:extLst>
               <a:ext uri="{FF2B5EF4-FFF2-40B4-BE49-F238E27FC236}">
                 <a16:creationId xmlns:a16="http://schemas.microsoft.com/office/drawing/2014/main" id="{2A865FE3-5FC9-4049-87CF-30019C46C0F5}"/>
@@ -6292,10 +7578,10 @@
       </p:sp>
       <p:pic>
         <p:nvPicPr>
-          <p:cNvPr id="6" name="圖片 5">
-            <a:extLst>
-              <a:ext uri="{FF2B5EF4-FFF2-40B4-BE49-F238E27FC236}">
-                <a16:creationId xmlns:a16="http://schemas.microsoft.com/office/drawing/2014/main" id="{B8291671-B342-4630-9825-978E2B601FE5}"/>
+          <p:cNvPr id="5" name="圖片 4" descr="一張含有 文字 的圖片&#10;&#10;自動產生的描述">
+            <a:extLst>
+              <a:ext uri="{FF2B5EF4-FFF2-40B4-BE49-F238E27FC236}">
+                <a16:creationId xmlns:a16="http://schemas.microsoft.com/office/drawing/2014/main" id="{7C5F2D9C-8E36-4C31-960C-5C53524C5EED}"/>
               </a:ext>
             </a:extLst>
           </p:cNvPr>
@@ -6306,7 +7592,7 @@
         </p:nvPicPr>
         <p:blipFill rotWithShape="1">
           <a:blip r:embed="rId2"/>
-          <a:srcRect b="3173"/>
+          <a:srcRect b="8538"/>
           <a:stretch/>
         </p:blipFill>
         <p:spPr>
@@ -6322,7 +7608,7 @@
     </p:spTree>
     <p:extLst>
       <p:ext uri="{BB962C8B-B14F-4D97-AF65-F5344CB8AC3E}">
-        <p14:creationId xmlns:p14="http://schemas.microsoft.com/office/powerpoint/2010/main" val="109562473"/>
+        <p14:creationId xmlns:p14="http://schemas.microsoft.com/office/powerpoint/2010/main" val="3860229811"/>
       </p:ext>
     </p:extLst>
   </p:cSld>
@@ -6765,10 +8051,10 @@
       </p:sp>
       <p:pic>
         <p:nvPicPr>
-          <p:cNvPr id="5" name="圖片 4" descr="一張含有 文字 的圖片&#10;&#10;自動產生的描述">
-            <a:extLst>
-              <a:ext uri="{FF2B5EF4-FFF2-40B4-BE49-F238E27FC236}">
-                <a16:creationId xmlns:a16="http://schemas.microsoft.com/office/drawing/2014/main" id="{7C5F2D9C-8E36-4C31-960C-5C53524C5EED}"/>
+          <p:cNvPr id="8" name="圖片 7">
+            <a:extLst>
+              <a:ext uri="{FF2B5EF4-FFF2-40B4-BE49-F238E27FC236}">
+                <a16:creationId xmlns:a16="http://schemas.microsoft.com/office/drawing/2014/main" id="{43400C63-F254-45FB-98C1-56AD62C81312}"/>
               </a:ext>
             </a:extLst>
           </p:cNvPr>
@@ -6777,15 +8063,16 @@
           </p:cNvPicPr>
           <p:nvPr/>
         </p:nvPicPr>
-        <p:blipFill rotWithShape="1">
+        <p:blipFill>
           <a:blip r:embed="rId2"/>
-          <a:srcRect b="8538"/>
-          <a:stretch/>
+          <a:stretch>
+            <a:fillRect/>
+          </a:stretch>
         </p:blipFill>
         <p:spPr>
           <a:xfrm>
-            <a:off x="5124450" y="634382"/>
-            <a:ext cx="6657213" cy="5495162"/>
+            <a:off x="5744360" y="114300"/>
+            <a:ext cx="4722829" cy="6858000"/>
           </a:xfrm>
           <a:prstGeom prst="rect">
             <a:avLst/>
@@ -6795,7 +8082,7 @@
     </p:spTree>
     <p:extLst>
       <p:ext uri="{BB962C8B-B14F-4D97-AF65-F5344CB8AC3E}">
-        <p14:creationId xmlns:p14="http://schemas.microsoft.com/office/powerpoint/2010/main" val="3860229811"/>
+        <p14:creationId xmlns:p14="http://schemas.microsoft.com/office/powerpoint/2010/main" val="3901328784"/>
       </p:ext>
     </p:extLst>
   </p:cSld>
@@ -6832,7 +8119,7 @@
       </p:grpSpPr>
       <p:sp useBgFill="1">
         <p:nvSpPr>
-          <p:cNvPr id="22" name="Rectangle 21">
+          <p:cNvPr id="33" name="Rectangle 32">
             <a:extLst>
               <a:ext uri="{FF2B5EF4-FFF2-40B4-BE49-F238E27FC236}">
                 <a16:creationId xmlns:a16="http://schemas.microsoft.com/office/drawing/2014/main" id="{1ECAB1E8-8195-4748-BE71-FF806D86892E}"/>
@@ -6892,7 +8179,7 @@
       </p:sp>
       <p:sp useBgFill="1">
         <p:nvSpPr>
-          <p:cNvPr id="24" name="Rectangle 23">
+          <p:cNvPr id="35" name="Rectangle 34">
             <a:extLst>
               <a:ext uri="{FF2B5EF4-FFF2-40B4-BE49-F238E27FC236}">
                 <a16:creationId xmlns:a16="http://schemas.microsoft.com/office/drawing/2014/main" id="{57F6BDD4-E066-4008-8011-6CC31AEB4556}"/>
@@ -7041,7 +8328,7 @@
       </p:sp>
       <p:sp>
         <p:nvSpPr>
-          <p:cNvPr id="26" name="Rectangle 25">
+          <p:cNvPr id="37" name="Rectangle 36">
             <a:extLst>
               <a:ext uri="{FF2B5EF4-FFF2-40B4-BE49-F238E27FC236}">
                 <a16:creationId xmlns:a16="http://schemas.microsoft.com/office/drawing/2014/main" id="{2711A8FB-68FC-45FC-B01E-38F809E2D439}"/>
@@ -7109,7 +8396,7 @@
       </p:sp>
       <p:sp>
         <p:nvSpPr>
-          <p:cNvPr id="28" name="Rectangle 27">
+          <p:cNvPr id="39" name="Rectangle 38">
             <a:extLst>
               <a:ext uri="{FF2B5EF4-FFF2-40B4-BE49-F238E27FC236}">
                 <a16:creationId xmlns:a16="http://schemas.microsoft.com/office/drawing/2014/main" id="{2A865FE3-5FC9-4049-87CF-30019C46C0F5}"/>
@@ -7238,10 +8525,10 @@
       </p:sp>
       <p:pic>
         <p:nvPicPr>
-          <p:cNvPr id="8" name="圖片 7">
-            <a:extLst>
-              <a:ext uri="{FF2B5EF4-FFF2-40B4-BE49-F238E27FC236}">
-                <a16:creationId xmlns:a16="http://schemas.microsoft.com/office/drawing/2014/main" id="{43400C63-F254-45FB-98C1-56AD62C81312}"/>
+          <p:cNvPr id="5" name="圖片 4">
+            <a:extLst>
+              <a:ext uri="{FF2B5EF4-FFF2-40B4-BE49-F238E27FC236}">
+                <a16:creationId xmlns:a16="http://schemas.microsoft.com/office/drawing/2014/main" id="{3BB7CBD3-2C35-48DB-89D0-93B8A7E15FFA}"/>
               </a:ext>
             </a:extLst>
           </p:cNvPr>
@@ -7250,16 +8537,15 @@
           </p:cNvPicPr>
           <p:nvPr/>
         </p:nvPicPr>
-        <p:blipFill>
+        <p:blipFill rotWithShape="1">
           <a:blip r:embed="rId2"/>
-          <a:stretch>
-            <a:fillRect/>
-          </a:stretch>
+          <a:srcRect l="3478" r="41703"/>
+          <a:stretch/>
         </p:blipFill>
         <p:spPr>
           <a:xfrm>
-            <a:off x="5744360" y="114300"/>
-            <a:ext cx="4722829" cy="6858000"/>
+            <a:off x="5124450" y="634382"/>
+            <a:ext cx="6657213" cy="5495162"/>
           </a:xfrm>
           <a:prstGeom prst="rect">
             <a:avLst/>
@@ -7269,7 +8555,7 @@
     </p:spTree>
     <p:extLst>
       <p:ext uri="{BB962C8B-B14F-4D97-AF65-F5344CB8AC3E}">
-        <p14:creationId xmlns:p14="http://schemas.microsoft.com/office/powerpoint/2010/main" val="3901328784"/>
+        <p14:creationId xmlns:p14="http://schemas.microsoft.com/office/powerpoint/2010/main" val="1877246092"/>
       </p:ext>
     </p:extLst>
   </p:cSld>
@@ -7497,19 +8783,20 @@
             </a:r>
             <a:r>
               <a:rPr lang="zh-TW" altLang="en-US" sz="2800" dirty="0"/>
-              <a:t>指令</a:t>
+              <a:t> </a:t>
+            </a:r>
+            <a:r>
+              <a:rPr lang="en-US" altLang="zh-TW" sz="2800" dirty="0"/>
+              <a:t>ISE</a:t>
             </a:r>
             <a:br>
               <a:rPr lang="en-US" altLang="zh-TW" sz="2800" dirty="0"/>
             </a:br>
-            <a:r>
-              <a:rPr lang="en-US" altLang="zh-TW" sz="2800" dirty="0">
-                <a:solidFill>
-                  <a:srgbClr val="FF0000"/>
-                </a:solidFill>
-              </a:rPr>
-              <a:t>Get-Help</a:t>
-            </a:r>
+            <a:endParaRPr lang="en-US" altLang="zh-TW" sz="2800" dirty="0">
+              <a:solidFill>
+                <a:srgbClr val="FF0000"/>
+              </a:solidFill>
+            </a:endParaRPr>
           </a:p>
         </p:txBody>
       </p:sp>
@@ -7706,16 +8993,28 @@
               <a:buFont typeface="Arial" panose="020B0604020202020204" pitchFamily="34" charset="0"/>
               <a:buChar char="•"/>
             </a:pPr>
-            <a:endParaRPr lang="en-US" altLang="zh-TW" sz="1700"/>
+            <a:r>
+              <a:rPr lang="zh-TW" altLang="en-US" sz="1700" dirty="0"/>
+              <a:t>以系統管理員身分執行</a:t>
+            </a:r>
+            <a:r>
+              <a:rPr lang="en-US" altLang="zh-TW" sz="1700" dirty="0"/>
+              <a:t>(</a:t>
+            </a:r>
+            <a:r>
+              <a:rPr lang="zh-TW" altLang="en-US" sz="1700" dirty="0"/>
+              <a:t>如未使用系統管理員會有權限問題</a:t>
+            </a:r>
+            <a:endParaRPr lang="en-US" altLang="zh-TW" sz="1700" dirty="0"/>
           </a:p>
         </p:txBody>
       </p:sp>
       <p:pic>
         <p:nvPicPr>
-          <p:cNvPr id="5" name="圖片 4">
-            <a:extLst>
-              <a:ext uri="{FF2B5EF4-FFF2-40B4-BE49-F238E27FC236}">
-                <a16:creationId xmlns:a16="http://schemas.microsoft.com/office/drawing/2014/main" id="{3BB7CBD3-2C35-48DB-89D0-93B8A7E15FFA}"/>
+          <p:cNvPr id="6" name="圖片 5">
+            <a:extLst>
+              <a:ext uri="{FF2B5EF4-FFF2-40B4-BE49-F238E27FC236}">
+                <a16:creationId xmlns:a16="http://schemas.microsoft.com/office/drawing/2014/main" id="{9CC313C8-3E47-4DFD-A31E-95C5E24FA8B7}"/>
               </a:ext>
             </a:extLst>
           </p:cNvPr>
@@ -7724,15 +9023,16 @@
           </p:cNvPicPr>
           <p:nvPr/>
         </p:nvPicPr>
-        <p:blipFill rotWithShape="1">
+        <p:blipFill>
           <a:blip r:embed="rId2"/>
-          <a:srcRect l="3478" r="41703"/>
-          <a:stretch/>
+          <a:stretch>
+            <a:fillRect/>
+          </a:stretch>
         </p:blipFill>
         <p:spPr>
           <a:xfrm>
-            <a:off x="5124450" y="634382"/>
-            <a:ext cx="6657213" cy="5495162"/>
+            <a:off x="5056622" y="647066"/>
+            <a:ext cx="4420217" cy="1819529"/>
           </a:xfrm>
           <a:prstGeom prst="rect">
             <a:avLst/>
@@ -7742,7 +9042,7 @@
     </p:spTree>
     <p:extLst>
       <p:ext uri="{BB962C8B-B14F-4D97-AF65-F5344CB8AC3E}">
-        <p14:creationId xmlns:p14="http://schemas.microsoft.com/office/powerpoint/2010/main" val="1877246092"/>
+        <p14:creationId xmlns:p14="http://schemas.microsoft.com/office/powerpoint/2010/main" val="1434733457"/>
       </p:ext>
     </p:extLst>
   </p:cSld>
